--- a/程式說明.pptx
+++ b/程式說明.pptx
@@ -4029,7 +4029,7 @@
             </a:r>
             <a:r>
               <a:rPr lang="zh-TW" altLang="en-US" dirty="0"/>
-              <a:t>格式欄位錯誤問題</a:t>
+              <a:t>欄位格式錯誤問題</a:t>
             </a:r>
           </a:p>
           <a:p>
@@ -4054,7 +4054,6 @@
               <a:rPr lang="zh-TW" altLang="en-US" dirty="0"/>
               <a:t>內流量及揚程參數功能</a:t>
             </a:r>
-            <a:endParaRPr lang="en-US" altLang="zh-TW" dirty="0"/>
           </a:p>
           <a:p>
             <a:pPr lvl="1">
@@ -4131,14 +4130,6 @@
               <a:rPr lang="zh-TW" altLang="en-US" dirty="0"/>
               <a:t>顯示邏輯優化</a:t>
             </a:r>
-          </a:p>
-          <a:p>
-            <a:pPr>
-              <a:lnSpc>
-                <a:spcPct val="150000"/>
-              </a:lnSpc>
-            </a:pPr>
-            <a:endParaRPr lang="zh-TW" altLang="en-US" dirty="0"/>
           </a:p>
         </p:txBody>
       </p:sp>

--- a/程式說明.pptx
+++ b/程式說明.pptx
@@ -3968,7 +3968,7 @@
         <p:spPr/>
         <p:txBody>
           <a:bodyPr>
-            <a:normAutofit/>
+            <a:normAutofit fontScale="85000" lnSpcReduction="10000"/>
           </a:bodyPr>
           <a:lstStyle/>
           <a:p>
@@ -3994,8 +3994,9 @@
             </a:r>
             <a:r>
               <a:rPr lang="zh-TW" altLang="en-US" dirty="0"/>
-              <a:t>修正圖塊不同比例情況下下，引線及文字位置錯誤問題</a:t>
-            </a:r>
+              <a:t>修正圖塊不同比例情況下，引線及文字位置錯誤問題</a:t>
+            </a:r>
+            <a:endParaRPr lang="en-US" altLang="zh-TW" dirty="0"/>
           </a:p>
           <a:p>
             <a:pPr lvl="1">
@@ -4005,31 +4006,19 @@
             </a:pPr>
             <a:r>
               <a:rPr lang="en-US" altLang="zh-TW" dirty="0"/>
-              <a:t>Add: </a:t>
+              <a:t>Fix: </a:t>
             </a:r>
             <a:r>
               <a:rPr lang="zh-TW" altLang="en-US" dirty="0"/>
-              <a:t>增加檢查</a:t>
-            </a:r>
-            <a:r>
-              <a:rPr lang="en-US" altLang="zh-TW" dirty="0"/>
-              <a:t>.</a:t>
+              <a:t>修正</a:t>
             </a:r>
             <a:r>
               <a:rPr lang="en-US" altLang="zh-TW" dirty="0" err="1"/>
-              <a:t>rpt</a:t>
+              <a:t>dataframe</a:t>
             </a:r>
             <a:r>
               <a:rPr lang="zh-TW" altLang="en-US" dirty="0"/>
-              <a:t>檔內</a:t>
-            </a:r>
-            <a:r>
-              <a:rPr lang="en-US" altLang="zh-TW" dirty="0"/>
-              <a:t>junction</a:t>
-            </a:r>
-            <a:r>
-              <a:rPr lang="zh-TW" altLang="en-US" dirty="0"/>
-              <a:t>欄位格式錯誤問題</a:t>
+              <a:t>欄位格式不同的問題</a:t>
             </a:r>
           </a:p>
           <a:p>
@@ -4044,15 +4033,27 @@
             </a:r>
             <a:r>
               <a:rPr lang="zh-TW" altLang="en-US" dirty="0"/>
-              <a:t>增加讀取及繪製</a:t>
+              <a:t>增加檢查</a:t>
             </a:r>
             <a:r>
               <a:rPr lang="en-US" altLang="zh-TW" dirty="0"/>
-              <a:t>Pump</a:t>
+              <a:t>.</a:t>
+            </a:r>
+            <a:r>
+              <a:rPr lang="en-US" altLang="zh-TW" dirty="0" err="1"/>
+              <a:t>rpt</a:t>
             </a:r>
             <a:r>
               <a:rPr lang="zh-TW" altLang="en-US" dirty="0"/>
-              <a:t>內流量及揚程參數功能</a:t>
+              <a:t>檔內</a:t>
+            </a:r>
+            <a:r>
+              <a:rPr lang="en-US" altLang="zh-TW" dirty="0"/>
+              <a:t>junction</a:t>
+            </a:r>
+            <a:r>
+              <a:rPr lang="zh-TW" altLang="en-US" dirty="0"/>
+              <a:t>欄位格式錯誤問題</a:t>
             </a:r>
           </a:p>
           <a:p>
@@ -4071,11 +4072,11 @@
             </a:r>
             <a:r>
               <a:rPr lang="en-US" altLang="zh-TW" dirty="0"/>
-              <a:t>Valve</a:t>
+              <a:t>Pump</a:t>
             </a:r>
             <a:r>
               <a:rPr lang="zh-TW" altLang="en-US" dirty="0"/>
-              <a:t>內型式及設定參數功能</a:t>
+              <a:t>內流量及揚程參數功能</a:t>
             </a:r>
           </a:p>
           <a:p>
@@ -4086,19 +4087,19 @@
             </a:pPr>
             <a:r>
               <a:rPr lang="en-US" altLang="zh-TW" dirty="0"/>
-              <a:t>Change: </a:t>
+              <a:t>Add: </a:t>
             </a:r>
             <a:r>
               <a:rPr lang="zh-TW" altLang="en-US" dirty="0"/>
-              <a:t>變更</a:t>
+              <a:t>增加讀取及繪製</a:t>
             </a:r>
             <a:r>
               <a:rPr lang="en-US" altLang="zh-TW" dirty="0"/>
-              <a:t>demand</a:t>
+              <a:t>Valve</a:t>
             </a:r>
             <a:r>
               <a:rPr lang="zh-TW" altLang="en-US" dirty="0"/>
-              <a:t>引線顏色，提高可讀性</a:t>
+              <a:t>型式及壓力參數功能</a:t>
             </a:r>
           </a:p>
           <a:p>
@@ -4109,11 +4110,19 @@
             </a:pPr>
             <a:r>
               <a:rPr lang="en-US" altLang="zh-TW" dirty="0"/>
-              <a:t>Change: log</a:t>
+              <a:t>Change: </a:t>
             </a:r>
             <a:r>
               <a:rPr lang="zh-TW" altLang="en-US" dirty="0"/>
-              <a:t>文字改為中文</a:t>
+              <a:t>變更</a:t>
+            </a:r>
+            <a:r>
+              <a:rPr lang="en-US" altLang="zh-TW" dirty="0"/>
+              <a:t>demand</a:t>
+            </a:r>
+            <a:r>
+              <a:rPr lang="zh-TW" altLang="en-US" dirty="0"/>
+              <a:t>引線顏色，提高可讀性</a:t>
             </a:r>
           </a:p>
           <a:p>
@@ -4128,7 +4137,46 @@
             </a:r>
             <a:r>
               <a:rPr lang="zh-TW" altLang="en-US" dirty="0"/>
+              <a:t>文字改為中文</a:t>
+            </a:r>
+          </a:p>
+          <a:p>
+            <a:pPr lvl="1">
+              <a:lnSpc>
+                <a:spcPct val="150000"/>
+              </a:lnSpc>
+            </a:pPr>
+            <a:r>
+              <a:rPr lang="en-US" altLang="zh-TW" dirty="0"/>
+              <a:t>Change: log</a:t>
+            </a:r>
+            <a:r>
+              <a:rPr lang="zh-TW" altLang="en-US" dirty="0"/>
               <a:t>顯示邏輯優化</a:t>
+            </a:r>
+            <a:endParaRPr lang="en-US" altLang="zh-TW" dirty="0"/>
+          </a:p>
+          <a:p>
+            <a:pPr lvl="1">
+              <a:lnSpc>
+                <a:spcPct val="150000"/>
+              </a:lnSpc>
+            </a:pPr>
+            <a:r>
+              <a:rPr lang="en-US" altLang="zh-TW" dirty="0"/>
+              <a:t>Change: </a:t>
+            </a:r>
+            <a:r>
+              <a:rPr lang="zh-TW" altLang="en-US" dirty="0"/>
+              <a:t>圖塊</a:t>
+            </a:r>
+            <a:r>
+              <a:rPr lang="en-US" altLang="zh-TW" dirty="0"/>
+              <a:t>Hatch</a:t>
+            </a:r>
+            <a:r>
+              <a:rPr lang="zh-TW" altLang="en-US" dirty="0"/>
+              <a:t>增加邊界</a:t>
             </a:r>
           </a:p>
         </p:txBody>
@@ -4357,7 +4405,7 @@
             </a:pPr>
             <a:r>
               <a:rPr lang="zh-TW" altLang="en-US" dirty="0"/>
-              <a:t>減少手動繪圖時間及減少人為誤差。</a:t>
+              <a:t>縮短繪圖時間及減少人為錯誤。</a:t>
             </a:r>
             <a:endParaRPr lang="en-US" altLang="zh-TW" dirty="0"/>
           </a:p>
@@ -4452,7 +4500,7 @@
             </a:r>
             <a:r>
               <a:rPr lang="zh-TW" altLang="en-US" dirty="0"/>
-              <a:t>檔。</a:t>
+              <a:t>檔，便於即時討論。</a:t>
             </a:r>
             <a:endParaRPr lang="en-US" altLang="zh-TW" dirty="0"/>
           </a:p>
@@ -4590,17 +4638,19 @@
         </p:nvSpPr>
         <p:spPr>
           <a:xfrm>
-            <a:off x="8191526" y="1845734"/>
-            <a:ext cx="3653444" cy="4023360"/>
-          </a:xfrm>
-        </p:spPr>
-        <p:txBody>
-          <a:bodyPr/>
+            <a:off x="309118" y="1901019"/>
+            <a:ext cx="6901910" cy="4023360"/>
+          </a:xfrm>
+        </p:spPr>
+        <p:txBody>
+          <a:bodyPr>
+            <a:normAutofit/>
+          </a:bodyPr>
           <a:lstStyle/>
           <a:p>
             <a:pPr marL="457200" indent="-457200">
               <a:lnSpc>
-                <a:spcPct val="150000"/>
+                <a:spcPct val="160000"/>
               </a:lnSpc>
               <a:buFont typeface="+mj-lt"/>
               <a:buAutoNum type="arabicPeriod"/>
@@ -4637,7 +4687,7 @@
           <a:p>
             <a:pPr marL="457200" indent="-457200">
               <a:lnSpc>
-                <a:spcPct val="150000"/>
+                <a:spcPct val="160000"/>
               </a:lnSpc>
               <a:buFont typeface="+mj-lt"/>
               <a:buAutoNum type="arabicPeriod"/>
@@ -4650,14 +4700,14 @@
           <a:p>
             <a:pPr marL="457200" indent="-457200">
               <a:lnSpc>
-                <a:spcPct val="150000"/>
+                <a:spcPct val="160000"/>
               </a:lnSpc>
               <a:buFont typeface="+mj-lt"/>
               <a:buAutoNum type="arabicPeriod"/>
             </a:pPr>
             <a:r>
               <a:rPr lang="zh-TW" altLang="en-US" dirty="0"/>
-              <a:t>部份欄位未內建於</a:t>
+              <a:t>以下欄位未內建於</a:t>
             </a:r>
             <a:r>
               <a:rPr lang="en-US" altLang="zh-TW" dirty="0"/>
@@ -4665,25 +4715,50 @@
             </a:r>
             <a:r>
               <a:rPr lang="zh-TW" altLang="en-US" dirty="0"/>
-              <a:t>中，需自行輸入</a:t>
-            </a:r>
-            <a:r>
-              <a:rPr lang="en-US" altLang="zh-TW" dirty="0"/>
-              <a:t>(</a:t>
-            </a:r>
+              <a:t>中，需自行手動修改：</a:t>
+            </a:r>
+            <a:endParaRPr lang="en-US" altLang="zh-TW" dirty="0"/>
+          </a:p>
+          <a:p>
+            <a:pPr marL="749808" lvl="1" indent="-457200">
+              <a:lnSpc>
+                <a:spcPct val="160000"/>
+              </a:lnSpc>
+            </a:pPr>
             <a:r>
               <a:rPr lang="zh-TW" altLang="en-US" dirty="0"/>
-              <a:t>水塔容量、接水點高程、接水點壓力</a:t>
-            </a:r>
-            <a:r>
-              <a:rPr lang="en-US" altLang="zh-TW" dirty="0"/>
-              <a:t>)</a:t>
-            </a:r>
+              <a:t>水塔容量</a:t>
+            </a:r>
+            <a:endParaRPr lang="en-US" altLang="zh-TW" dirty="0"/>
+          </a:p>
+          <a:p>
+            <a:pPr marL="749808" lvl="1" indent="-457200">
+              <a:lnSpc>
+                <a:spcPct val="160000"/>
+              </a:lnSpc>
+            </a:pPr>
+            <a:r>
+              <a:rPr lang="zh-TW" altLang="en-US" dirty="0"/>
+              <a:t>接水點高程</a:t>
+            </a:r>
+            <a:endParaRPr lang="en-US" altLang="zh-TW" dirty="0"/>
+          </a:p>
+          <a:p>
+            <a:pPr marL="749808" lvl="1" indent="-457200">
+              <a:lnSpc>
+                <a:spcPct val="160000"/>
+              </a:lnSpc>
+            </a:pPr>
+            <a:r>
+              <a:rPr lang="zh-TW" altLang="en-US" dirty="0"/>
+              <a:t>接水點壓力</a:t>
+            </a:r>
+            <a:endParaRPr lang="en-US" altLang="zh-TW" dirty="0"/>
           </a:p>
           <a:p>
             <a:pPr marL="457200" indent="-457200">
               <a:lnSpc>
-                <a:spcPct val="150000"/>
+                <a:spcPct val="160000"/>
               </a:lnSpc>
               <a:buFont typeface="+mj-lt"/>
               <a:buAutoNum type="arabicPeriod"/>
@@ -4714,13 +4789,12 @@
               </a:ext>
             </a:extLst>
           </a:blip>
-          <a:srcRect l="4594" r="4594"/>
           <a:stretch/>
         </p:blipFill>
         <p:spPr>
           <a:xfrm>
-            <a:off x="187818" y="2569725"/>
-            <a:ext cx="3324256" cy="2520000"/>
+            <a:off x="7913564" y="374290"/>
+            <a:ext cx="3960000" cy="2726140"/>
           </a:xfrm>
           <a:prstGeom prst="rect">
             <a:avLst/>
@@ -4754,8 +4828,8 @@
         </p:blipFill>
         <p:spPr>
           <a:xfrm>
-            <a:off x="4174738" y="2560233"/>
-            <a:ext cx="3814008" cy="2538985"/>
+            <a:off x="7740845" y="3560732"/>
+            <a:ext cx="3960000" cy="2636172"/>
           </a:xfrm>
           <a:prstGeom prst="rect">
             <a:avLst/>
@@ -4775,8 +4849,8 @@
           <p:nvPr/>
         </p:nvSpPr>
         <p:spPr>
-          <a:xfrm>
-            <a:off x="3723222" y="3657005"/>
+          <a:xfrm rot="5400000">
+            <a:off x="9660677" y="3243838"/>
             <a:ext cx="465775" cy="345440"/>
           </a:xfrm>
           <a:prstGeom prst="rightArrow">
@@ -4822,13 +4896,18 @@
         </p:nvSpPr>
         <p:spPr>
           <a:xfrm>
-            <a:off x="1108266" y="5349558"/>
+            <a:off x="8086284" y="1678247"/>
             <a:ext cx="1483360" cy="369332"/>
           </a:xfrm>
           <a:prstGeom prst="rect">
             <a:avLst/>
           </a:prstGeom>
           <a:noFill/>
+          <a:ln>
+            <a:solidFill>
+              <a:schemeClr val="tx1"/>
+            </a:solidFill>
+          </a:ln>
         </p:spPr>
         <p:txBody>
           <a:bodyPr wrap="square" rtlCol="0">
@@ -4843,7 +4922,7 @@
             </a:r>
             <a:r>
               <a:rPr lang="zh-TW" altLang="en-US" dirty="0"/>
-              <a:t>資料</a:t>
+              <a:t>內容</a:t>
             </a:r>
           </a:p>
         </p:txBody>
@@ -4862,13 +4941,18 @@
         </p:nvSpPr>
         <p:spPr>
           <a:xfrm>
-            <a:off x="5340061" y="5349558"/>
+            <a:off x="8086284" y="4680182"/>
             <a:ext cx="1483360" cy="369332"/>
           </a:xfrm>
           <a:prstGeom prst="rect">
             <a:avLst/>
           </a:prstGeom>
           <a:noFill/>
+          <a:ln>
+            <a:solidFill>
+              <a:schemeClr val="tx1"/>
+            </a:solidFill>
+          </a:ln>
         </p:spPr>
         <p:txBody>
           <a:bodyPr wrap="square" rtlCol="0">
@@ -4878,16 +4962,8 @@
           <a:p>
             <a:pPr algn="ctr"/>
             <a:r>
-              <a:rPr lang="en-US" altLang="zh-TW" dirty="0"/>
-              <a:t>.</a:t>
-            </a:r>
-            <a:r>
-              <a:rPr lang="en-US" altLang="zh-TW" dirty="0" err="1"/>
-              <a:t>dxf</a:t>
-            </a:r>
-            <a:r>
               <a:rPr lang="zh-TW" altLang="en-US" dirty="0"/>
-              <a:t>圖檔</a:t>
+              <a:t>本程式成果</a:t>
             </a:r>
           </a:p>
         </p:txBody>
@@ -4945,7 +5021,7 @@
           <a:p>
             <a:r>
               <a:rPr lang="zh-TW" altLang="en-US" dirty="0"/>
-              <a:t>準備</a:t>
+              <a:t>匯出</a:t>
             </a:r>
             <a:r>
               <a:rPr lang="en-US" altLang="zh-TW" dirty="0"/>
@@ -6117,8 +6193,8 @@
               <a:buAutoNum type="arabicPeriod"/>
             </a:pPr>
             <a:r>
-              <a:rPr lang="zh-TW" altLang="en-US" dirty="0"/>
-              <a:t>調整標注參數</a:t>
+              <a:rPr lang="zh-TW" altLang="en-US"/>
+              <a:t>調整標示參數</a:t>
             </a:r>
             <a:endParaRPr lang="en-US" altLang="zh-TW" dirty="0"/>
           </a:p>

--- a/程式說明.pptx
+++ b/程式說明.pptx
@@ -4234,7 +4234,7 @@
           <a:p>
             <a:r>
               <a:rPr lang="en-US" altLang="zh-TW" cap="none" dirty="0"/>
-              <a:t>(a3-0.1.0</a:t>
+              <a:t>(0.1.0.3 </a:t>
             </a:r>
             <a:r>
               <a:rPr lang="zh-TW" altLang="en-US" cap="none" dirty="0"/>
@@ -4545,9 +4545,10 @@
               </a:lnSpc>
             </a:pPr>
             <a:r>
-              <a:rPr lang="en-US" altLang="zh-TW" dirty="0"/>
-              <a:t>a3-0.1.0</a:t>
-            </a:r>
+              <a:rPr lang="en-US" altLang="zh-TW"/>
+              <a:t>[0.1.0.3]</a:t>
+            </a:r>
+            <a:endParaRPr lang="en-US" altLang="zh-TW" dirty="0"/>
           </a:p>
           <a:p>
             <a:pPr lvl="1">
@@ -5119,7 +5120,7 @@
         </p:spPr>
         <p:txBody>
           <a:bodyPr>
-            <a:normAutofit fontScale="92500" lnSpcReduction="20000"/>
+            <a:normAutofit/>
           </a:bodyPr>
           <a:lstStyle/>
           <a:p>
@@ -5229,70 +5230,6 @@
               <a:t>接水點壓力</a:t>
             </a:r>
             <a:endParaRPr lang="en-US" altLang="zh-TW" dirty="0"/>
-          </a:p>
-          <a:p>
-            <a:pPr marL="457200" indent="-457200">
-              <a:lnSpc>
-                <a:spcPct val="160000"/>
-              </a:lnSpc>
-              <a:buFont typeface="+mj-lt"/>
-              <a:buAutoNum type="arabicPeriod"/>
-            </a:pPr>
-            <a:r>
-              <a:rPr lang="zh-TW" altLang="en-US" dirty="0">
-                <a:solidFill>
-                  <a:srgbClr val="FF0000"/>
-                </a:solidFill>
-              </a:rPr>
-              <a:t>水頭損失數值為由單位水頭損失計算而得，成果圖的水頭損失數值可能和直接相減管線</a:t>
-            </a:r>
-            <a:r>
-              <a:rPr lang="en-US" altLang="zh-TW" dirty="0">
-                <a:solidFill>
-                  <a:srgbClr val="FF0000"/>
-                </a:solidFill>
-              </a:rPr>
-              <a:t>2</a:t>
-            </a:r>
-            <a:r>
-              <a:rPr lang="zh-TW" altLang="en-US" dirty="0">
-                <a:solidFill>
-                  <a:srgbClr val="FF0000"/>
-                </a:solidFill>
-              </a:rPr>
-              <a:t>端節點壓力有</a:t>
-            </a:r>
-            <a:r>
-              <a:rPr lang="en-US" altLang="zh-TW" dirty="0">
-                <a:solidFill>
-                  <a:srgbClr val="FF0000"/>
-                </a:solidFill>
-              </a:rPr>
-              <a:t>0.01</a:t>
-            </a:r>
-            <a:r>
-              <a:rPr lang="zh-TW" altLang="en-US" dirty="0">
-                <a:solidFill>
-                  <a:srgbClr val="FF0000"/>
-                </a:solidFill>
-              </a:rPr>
-              <a:t>的誤差</a:t>
-            </a:r>
-            <a:endParaRPr lang="en-US" altLang="zh-TW" dirty="0">
-              <a:solidFill>
-                <a:srgbClr val="FF0000"/>
-              </a:solidFill>
-            </a:endParaRPr>
-          </a:p>
-          <a:p>
-            <a:pPr marL="457200" indent="-457200">
-              <a:lnSpc>
-                <a:spcPct val="160000"/>
-              </a:lnSpc>
-              <a:buFont typeface="+mj-lt"/>
-              <a:buAutoNum type="arabicPeriod"/>
-            </a:pPr>
-            <a:endParaRPr lang="zh-TW" altLang="en-US" dirty="0"/>
           </a:p>
         </p:txBody>
       </p:sp>
@@ -5359,7 +5296,7 @@
         <p:spPr>
           <a:xfrm>
             <a:off x="7741143" y="3560732"/>
-            <a:ext cx="3959403" cy="2636171"/>
+            <a:ext cx="3959403" cy="2636170"/>
           </a:xfrm>
           <a:prstGeom prst="rect">
             <a:avLst/>
@@ -5426,8 +5363,8 @@
         </p:nvSpPr>
         <p:spPr>
           <a:xfrm>
-            <a:off x="8086284" y="1678247"/>
-            <a:ext cx="1483360" cy="369332"/>
+            <a:off x="7838263" y="1889650"/>
+            <a:ext cx="1980001" cy="369332"/>
           </a:xfrm>
           <a:prstGeom prst="rect">
             <a:avLst/>
@@ -5452,7 +5389,7 @@
             </a:r>
             <a:r>
               <a:rPr lang="zh-TW" altLang="en-US" dirty="0"/>
-              <a:t>內容</a:t>
+              <a:t>建模內容</a:t>
             </a:r>
           </a:p>
         </p:txBody>
@@ -5471,7 +5408,7 @@
         </p:nvSpPr>
         <p:spPr>
           <a:xfrm>
-            <a:off x="8086284" y="4680182"/>
+            <a:off x="8086583" y="4891585"/>
             <a:ext cx="1483360" cy="369332"/>
           </a:xfrm>
           <a:prstGeom prst="rect">

--- a/程式說明.pptx
+++ b/程式說明.pptx
@@ -13,8 +13,8 @@
     <p:sldId id="265" r:id="rId4"/>
     <p:sldId id="267" r:id="rId5"/>
     <p:sldId id="271" r:id="rId6"/>
-    <p:sldId id="268" r:id="rId7"/>
-    <p:sldId id="269" r:id="rId8"/>
+    <p:sldId id="269" r:id="rId7"/>
+    <p:sldId id="268" r:id="rId8"/>
     <p:sldId id="270" r:id="rId9"/>
   </p:sldIdLst>
   <p:sldSz cx="12192000" cy="6858000"/>
@@ -204,7 +204,7 @@
           <a:p>
             <a:fld id="{39639EA0-793B-4196-8BEE-7FA2A6EC5748}" type="datetimeFigureOut">
               <a:rPr lang="zh-TW" altLang="en-US" smtClean="0"/>
-              <a:t>2024/12/5</a:t>
+              <a:t>2024/12/8</a:t>
             </a:fld>
             <a:endParaRPr lang="zh-TW" altLang="en-US"/>
           </a:p>
@@ -697,7 +697,7 @@
           <a:p>
             <a:fld id="{1B847706-CAE0-40F8-B7DA-97DAEB5B8D68}" type="datetime1">
               <a:rPr lang="zh-TW" altLang="en-US" smtClean="0"/>
-              <a:t>2024/12/5</a:t>
+              <a:t>2024/12/8</a:t>
             </a:fld>
             <a:endParaRPr lang="zh-TW" altLang="en-US"/>
           </a:p>
@@ -905,7 +905,7 @@
           <a:p>
             <a:fld id="{588A086D-73FE-4D5F-B83D-4BD8240E6654}" type="datetime1">
               <a:rPr lang="zh-TW" altLang="en-US" smtClean="0"/>
-              <a:t>2024/12/5</a:t>
+              <a:t>2024/12/8</a:t>
             </a:fld>
             <a:endParaRPr lang="zh-TW" altLang="en-US"/>
           </a:p>
@@ -1161,7 +1161,7 @@
           <a:p>
             <a:fld id="{879955E5-3CF7-4562-A3EE-DE458ECF8F3A}" type="datetime1">
               <a:rPr lang="zh-TW" altLang="en-US" smtClean="0"/>
-              <a:t>2024/12/5</a:t>
+              <a:t>2024/12/8</a:t>
             </a:fld>
             <a:endParaRPr lang="zh-TW" altLang="en-US"/>
           </a:p>
@@ -1335,7 +1335,7 @@
           <a:p>
             <a:fld id="{362411B8-C98C-4582-9320-D48930EFBB71}" type="datetime1">
               <a:rPr lang="zh-TW" altLang="en-US" smtClean="0"/>
-              <a:t>2024/12/5</a:t>
+              <a:t>2024/12/8</a:t>
             </a:fld>
             <a:endParaRPr lang="zh-TW" altLang="en-US"/>
           </a:p>
@@ -1678,7 +1678,7 @@
           <a:p>
             <a:fld id="{F5A58E29-0E89-4255-A3EF-68AFB803B9D2}" type="datetime1">
               <a:rPr lang="zh-TW" altLang="en-US" smtClean="0"/>
-              <a:t>2024/12/5</a:t>
+              <a:t>2024/12/8</a:t>
             </a:fld>
             <a:endParaRPr lang="zh-TW" altLang="en-US"/>
           </a:p>
@@ -1953,7 +1953,7 @@
           <a:p>
             <a:fld id="{D447F6C7-414A-44EC-9D09-CE04512BE249}" type="datetime1">
               <a:rPr lang="zh-TW" altLang="en-US" smtClean="0"/>
-              <a:t>2024/12/5</a:t>
+              <a:t>2024/12/8</a:t>
             </a:fld>
             <a:endParaRPr lang="zh-TW" altLang="en-US"/>
           </a:p>
@@ -2332,7 +2332,7 @@
           <a:p>
             <a:fld id="{AC987C84-D45D-427E-B0AA-774927F533AD}" type="datetime1">
               <a:rPr lang="zh-TW" altLang="en-US" smtClean="0"/>
-              <a:t>2024/12/5</a:t>
+              <a:t>2024/12/8</a:t>
             </a:fld>
             <a:endParaRPr lang="zh-TW" altLang="en-US"/>
           </a:p>
@@ -2450,7 +2450,7 @@
           <a:p>
             <a:fld id="{6DC2D2CD-94BB-4937-863D-DA1D5FCD065B}" type="datetime1">
               <a:rPr lang="zh-TW" altLang="en-US" smtClean="0"/>
-              <a:t>2024/12/5</a:t>
+              <a:t>2024/12/8</a:t>
             </a:fld>
             <a:endParaRPr lang="zh-TW" altLang="en-US"/>
           </a:p>
@@ -2621,7 +2621,7 @@
           <a:p>
             <a:fld id="{5BC6DDC9-AAB0-4EB5-9978-90E5DA6FF568}" type="datetime1">
               <a:rPr lang="zh-TW" altLang="en-US" smtClean="0"/>
-              <a:t>2024/12/5</a:t>
+              <a:t>2024/12/8</a:t>
             </a:fld>
             <a:endParaRPr lang="zh-TW" altLang="en-US"/>
           </a:p>
@@ -2975,7 +2975,7 @@
           <a:p>
             <a:fld id="{85CD4BF1-320A-4F92-B3F9-49AC2DDD8A9D}" type="datetime1">
               <a:rPr lang="zh-TW" altLang="en-US" smtClean="0"/>
-              <a:t>2024/12/5</a:t>
+              <a:t>2024/12/8</a:t>
             </a:fld>
             <a:endParaRPr lang="zh-TW" altLang="en-US"/>
           </a:p>
@@ -3357,7 +3357,7 @@
           <a:p>
             <a:fld id="{519C7D8C-B591-4A8C-AACE-A39F3E8C0AF2}" type="datetime1">
               <a:rPr lang="zh-TW" altLang="en-US" smtClean="0"/>
-              <a:t>2024/12/5</a:t>
+              <a:t>2024/12/8</a:t>
             </a:fld>
             <a:endParaRPr lang="zh-TW" altLang="en-US"/>
           </a:p>
@@ -3644,7 +3644,7 @@
           <a:p>
             <a:fld id="{8E406A93-4F5A-4736-840B-31D42A7D4C36}" type="datetime1">
               <a:rPr lang="zh-TW" altLang="en-US" smtClean="0"/>
-              <a:t>2024/12/5</a:t>
+              <a:t>2024/12/8</a:t>
             </a:fld>
             <a:endParaRPr lang="zh-TW" altLang="en-US"/>
           </a:p>
@@ -4234,7 +4234,7 @@
           <a:p>
             <a:r>
               <a:rPr lang="en-US" altLang="zh-TW" cap="none" dirty="0"/>
-              <a:t>(0.1.0.3 </a:t>
+              <a:t>(0.1.0.4 </a:t>
             </a:r>
             <a:r>
               <a:rPr lang="zh-TW" altLang="en-US" cap="none" dirty="0"/>
@@ -4545,10 +4545,9 @@
               </a:lnSpc>
             </a:pPr>
             <a:r>
-              <a:rPr lang="en-US" altLang="zh-TW"/>
-              <a:t>[0.1.0.3]</a:t>
-            </a:r>
-            <a:endParaRPr lang="en-US" altLang="zh-TW" dirty="0"/>
+              <a:rPr lang="en-US" altLang="zh-TW" dirty="0"/>
+              <a:t>[0.1.0.4]</a:t>
+            </a:r>
           </a:p>
           <a:p>
             <a:pPr lvl="1">
@@ -4558,11 +4557,19 @@
             </a:pPr>
             <a:r>
               <a:rPr lang="en-US" altLang="zh-TW" dirty="0"/>
-              <a:t>Fix: </a:t>
+              <a:t>Add: </a:t>
             </a:r>
             <a:r>
               <a:rPr lang="zh-TW" altLang="en-US" dirty="0"/>
-              <a:t>修正水頭損失數值顯示錯誤問題</a:t>
+              <a:t>成果圖檔增加顯示工程名稱、系統總流量、</a:t>
+            </a:r>
+            <a:r>
+              <a:rPr lang="en-US" altLang="zh-TW" dirty="0"/>
+              <a:t>C</a:t>
+            </a:r>
+            <a:r>
+              <a:rPr lang="zh-TW" altLang="en-US" dirty="0"/>
+              <a:t>值功能</a:t>
             </a:r>
           </a:p>
           <a:p>
@@ -4573,11 +4580,42 @@
             </a:pPr>
             <a:r>
               <a:rPr lang="en-US" altLang="zh-TW" dirty="0"/>
-              <a:t>Fix: </a:t>
+              <a:t>Change: </a:t>
             </a:r>
             <a:r>
               <a:rPr lang="zh-TW" altLang="en-US" dirty="0"/>
-              <a:t>修正未選取檔案時，檔名顯示邏輯錯誤問題</a:t>
+              <a:t>多時段成果可選擇時段匯出</a:t>
+            </a:r>
+            <a:endParaRPr lang="en-US" altLang="zh-TW" dirty="0"/>
+          </a:p>
+          <a:p>
+            <a:pPr lvl="1">
+              <a:lnSpc>
+                <a:spcPct val="150000"/>
+              </a:lnSpc>
+            </a:pPr>
+            <a:r>
+              <a:rPr lang="en-US" altLang="zh-TW" dirty="0"/>
+              <a:t>Change: </a:t>
+            </a:r>
+            <a:r>
+              <a:rPr lang="zh-TW" altLang="en-US" dirty="0"/>
+              <a:t>多時段匯出檔名後綴自動設定為時段名稱</a:t>
+            </a:r>
+          </a:p>
+          <a:p>
+            <a:pPr lvl="1">
+              <a:lnSpc>
+                <a:spcPct val="150000"/>
+              </a:lnSpc>
+            </a:pPr>
+            <a:r>
+              <a:rPr lang="en-US" altLang="zh-TW" dirty="0"/>
+              <a:t>Change: UI</a:t>
+            </a:r>
+            <a:r>
+              <a:rPr lang="zh-TW" altLang="en-US" dirty="0"/>
+              <a:t>調整：增加工程名稱、選擇匯出時段、調整介面</a:t>
             </a:r>
           </a:p>
         </p:txBody>
@@ -4692,7 +4730,7 @@
         </p:blipFill>
         <p:spPr>
           <a:xfrm>
-            <a:off x="161047" y="2074787"/>
+            <a:off x="262647" y="2074787"/>
             <a:ext cx="6715195" cy="3675773"/>
           </a:xfrm>
         </p:spPr>
@@ -4822,11 +4860,6 @@
               <a:rPr lang="en-US" altLang="zh-TW" dirty="0"/>
               <a:t>)</a:t>
             </a:r>
-            <a:r>
-              <a:rPr lang="zh-TW" altLang="en-US" dirty="0"/>
-              <a:t>。</a:t>
-            </a:r>
-            <a:endParaRPr lang="en-US" altLang="zh-TW" dirty="0"/>
           </a:p>
           <a:p>
             <a:pPr lvl="1">
@@ -4836,7 +4869,7 @@
             </a:pPr>
             <a:r>
               <a:rPr lang="zh-TW" altLang="en-US" dirty="0"/>
-              <a:t>縮短繪圖時間及減少人為錯誤。</a:t>
+              <a:t>縮短繪圖時間及減少人為錯誤</a:t>
             </a:r>
             <a:endParaRPr lang="en-US" altLang="zh-TW" dirty="0"/>
           </a:p>
@@ -4848,7 +4881,7 @@
             </a:pPr>
             <a:r>
               <a:rPr lang="zh-TW" altLang="en-US" dirty="0"/>
-              <a:t>可調整圖塊比例及標註文字大小。</a:t>
+              <a:t>可調整圖塊比例及標註文字大小</a:t>
             </a:r>
             <a:endParaRPr lang="en-US" altLang="zh-TW" dirty="0"/>
           </a:p>
@@ -4931,7 +4964,7 @@
             </a:r>
             <a:r>
               <a:rPr lang="zh-TW" altLang="en-US" dirty="0"/>
-              <a:t>檔，便於即時討論。</a:t>
+              <a:t>檔，便於即時討論</a:t>
             </a:r>
             <a:endParaRPr lang="en-US" altLang="zh-TW" dirty="0"/>
           </a:p>
@@ -4943,31 +4976,7 @@
             </a:pPr>
             <a:r>
               <a:rPr lang="zh-TW" altLang="en-US" dirty="0"/>
-              <a:t>支援多</a:t>
-            </a:r>
-            <a:r>
-              <a:rPr lang="en-US" altLang="zh-TW" dirty="0"/>
-              <a:t>pattern</a:t>
-            </a:r>
-            <a:r>
-              <a:rPr lang="zh-TW" altLang="en-US" dirty="0"/>
-              <a:t>情境</a:t>
-            </a:r>
-            <a:r>
-              <a:rPr lang="en-US" altLang="zh-TW" dirty="0"/>
-              <a:t>(</a:t>
-            </a:r>
-            <a:r>
-              <a:rPr lang="zh-TW" altLang="en-US" dirty="0"/>
-              <a:t>其他功能尚未開發</a:t>
-            </a:r>
-            <a:r>
-              <a:rPr lang="en-US" altLang="zh-TW" dirty="0"/>
-              <a:t>)</a:t>
-            </a:r>
-            <a:r>
-              <a:rPr lang="zh-TW" altLang="en-US" dirty="0"/>
-              <a:t>。</a:t>
+              <a:t>支援選擇及匯出特定時段成果</a:t>
             </a:r>
             <a:endParaRPr lang="en-US" altLang="zh-TW" dirty="0"/>
           </a:p>
@@ -4999,7 +5008,7 @@
                   <a:srgbClr val="FF0000"/>
                 </a:solidFill>
               </a:rPr>
-              <a:t>改版限制。</a:t>
+              <a:t>改版限制</a:t>
             </a:r>
             <a:endParaRPr lang="en-US" altLang="zh-TW" dirty="0">
               <a:solidFill>
@@ -5126,7 +5135,7 @@
           <a:p>
             <a:pPr marL="457200" indent="-457200">
               <a:lnSpc>
-                <a:spcPct val="160000"/>
+                <a:spcPct val="110000"/>
               </a:lnSpc>
               <a:buFont typeface="+mj-lt"/>
               <a:buAutoNum type="arabicPeriod"/>
@@ -5157,32 +5166,79 @@
             </a:r>
             <a:r>
               <a:rPr lang="zh-TW" altLang="en-US" dirty="0"/>
-              <a:t>檔內容，自動加上引線及節點標示。</a:t>
+              <a:t>檔內容，自動加上引線及節點標示</a:t>
             </a:r>
           </a:p>
           <a:p>
             <a:pPr marL="457200" indent="-457200">
               <a:lnSpc>
-                <a:spcPct val="160000"/>
+                <a:spcPct val="110000"/>
               </a:lnSpc>
               <a:buFont typeface="+mj-lt"/>
               <a:buAutoNum type="arabicPeriod"/>
             </a:pPr>
             <a:r>
               <a:rPr lang="zh-TW" altLang="en-US" dirty="0"/>
-              <a:t>自動判斷水流方向調整標示箭頭。</a:t>
-            </a:r>
+              <a:t>自動判斷水流方向調整標示箭頭</a:t>
+            </a:r>
+            <a:endParaRPr lang="en-US" altLang="zh-TW" dirty="0"/>
           </a:p>
           <a:p>
             <a:pPr marL="457200" indent="-457200">
               <a:lnSpc>
-                <a:spcPct val="160000"/>
+                <a:spcPct val="110000"/>
               </a:lnSpc>
               <a:buFont typeface="+mj-lt"/>
               <a:buAutoNum type="arabicPeriod"/>
             </a:pPr>
             <a:r>
               <a:rPr lang="zh-TW" altLang="en-US" dirty="0"/>
+              <a:t>自動計算全系統流量</a:t>
+            </a:r>
+            <a:r>
+              <a:rPr lang="en-US" altLang="zh-TW" baseline="30000" dirty="0"/>
+              <a:t>*</a:t>
+            </a:r>
+            <a:r>
+              <a:rPr lang="zh-TW" altLang="en-US" baseline="30000" dirty="0"/>
+              <a:t>註</a:t>
+            </a:r>
+            <a:r>
+              <a:rPr lang="en-US" altLang="zh-TW" baseline="30000" dirty="0"/>
+              <a:t>1</a:t>
+            </a:r>
+          </a:p>
+          <a:p>
+            <a:pPr marL="457200" indent="-457200">
+              <a:lnSpc>
+                <a:spcPct val="110000"/>
+              </a:lnSpc>
+              <a:buFont typeface="+mj-lt"/>
+              <a:buAutoNum type="arabicPeriod"/>
+            </a:pPr>
+            <a:r>
+              <a:rPr lang="zh-TW" altLang="en-US" dirty="0"/>
+              <a:t>自動分析模型內管線</a:t>
+            </a:r>
+            <a:r>
+              <a:rPr lang="en-US" altLang="zh-TW" dirty="0"/>
+              <a:t>C</a:t>
+            </a:r>
+            <a:r>
+              <a:rPr lang="zh-TW" altLang="en-US" dirty="0"/>
+              <a:t>值</a:t>
+            </a:r>
+          </a:p>
+          <a:p>
+            <a:pPr marL="457200" indent="-457200">
+              <a:lnSpc>
+                <a:spcPct val="110000"/>
+              </a:lnSpc>
+              <a:buFont typeface="+mj-lt"/>
+              <a:buAutoNum type="arabicPeriod"/>
+            </a:pPr>
+            <a:r>
+              <a:rPr lang="zh-TW" altLang="en-US" dirty="0"/>
               <a:t>以下欄位未內建於</a:t>
             </a:r>
             <a:r>
@@ -5198,7 +5254,7 @@
           <a:p>
             <a:pPr marL="749808" lvl="1" indent="-457200">
               <a:lnSpc>
-                <a:spcPct val="160000"/>
+                <a:spcPct val="110000"/>
               </a:lnSpc>
             </a:pPr>
             <a:r>
@@ -5210,7 +5266,7 @@
           <a:p>
             <a:pPr marL="749808" lvl="1" indent="-457200">
               <a:lnSpc>
-                <a:spcPct val="160000"/>
+                <a:spcPct val="110000"/>
               </a:lnSpc>
             </a:pPr>
             <a:r>
@@ -5222,7 +5278,7 @@
           <a:p>
             <a:pPr marL="749808" lvl="1" indent="-457200">
               <a:lnSpc>
-                <a:spcPct val="160000"/>
+                <a:spcPct val="110000"/>
               </a:lnSpc>
             </a:pPr>
             <a:r>
@@ -5260,7 +5316,7 @@
         </p:blipFill>
         <p:spPr>
           <a:xfrm>
-            <a:off x="7913564" y="438893"/>
+            <a:off x="7726142" y="222039"/>
             <a:ext cx="3960000" cy="2596933"/>
           </a:xfrm>
           <a:prstGeom prst="rect">
@@ -5295,8 +5351,8 @@
         </p:blipFill>
         <p:spPr>
           <a:xfrm>
-            <a:off x="7741143" y="3560732"/>
-            <a:ext cx="3959403" cy="2636170"/>
+            <a:off x="7726143" y="2896242"/>
+            <a:ext cx="3959999" cy="3300660"/>
           </a:xfrm>
           <a:prstGeom prst="rect">
             <a:avLst/>
@@ -5461,6 +5517,66 @@
               <a:t>4</a:t>
             </a:fld>
             <a:endParaRPr lang="zh-TW" altLang="en-US"/>
+          </a:p>
+        </p:txBody>
+      </p:sp>
+      <p:sp>
+        <p:nvSpPr>
+          <p:cNvPr id="4" name="文字方塊 3">
+            <a:extLst>
+              <a:ext uri="{FF2B5EF4-FFF2-40B4-BE49-F238E27FC236}">
+                <a16:creationId xmlns:a16="http://schemas.microsoft.com/office/drawing/2014/main" id="{C36986D1-BAC7-82E0-05B4-B0DDD9675C5D}"/>
+              </a:ext>
+            </a:extLst>
+          </p:cNvPr>
+          <p:cNvSpPr txBox="1"/>
+          <p:nvPr/>
+        </p:nvSpPr>
+        <p:spPr>
+          <a:xfrm>
+            <a:off x="314960" y="5949538"/>
+            <a:ext cx="6248400" cy="276999"/>
+          </a:xfrm>
+          <a:prstGeom prst="rect">
+            <a:avLst/>
+          </a:prstGeom>
+          <a:noFill/>
+        </p:spPr>
+        <p:txBody>
+          <a:bodyPr wrap="square" rtlCol="0">
+            <a:spAutoFit/>
+          </a:bodyPr>
+          <a:lstStyle/>
+          <a:p>
+            <a:r>
+              <a:rPr lang="en-US" altLang="zh-TW" sz="1200" dirty="0"/>
+              <a:t>*</a:t>
+            </a:r>
+            <a:r>
+              <a:rPr lang="zh-TW" altLang="en-US" sz="1200" dirty="0"/>
+              <a:t>註</a:t>
+            </a:r>
+            <a:r>
+              <a:rPr lang="en-US" altLang="zh-TW" sz="1200" dirty="0"/>
+              <a:t>1</a:t>
+            </a:r>
+            <a:r>
+              <a:rPr lang="zh-TW" altLang="en-US" sz="1200" dirty="0"/>
+              <a:t>：全系統流量值</a:t>
+            </a:r>
+            <a:r>
+              <a:rPr lang="en-US" altLang="zh-TW" sz="1200" dirty="0"/>
+              <a:t>Q</a:t>
+            </a:r>
+            <a:r>
+              <a:rPr lang="zh-TW" altLang="en-US" sz="1200" dirty="0"/>
+              <a:t>為累計各節點</a:t>
+            </a:r>
+            <a:r>
+              <a:rPr lang="en-US" altLang="zh-TW" sz="1200" dirty="0"/>
+              <a:t>Demand</a:t>
+            </a:r>
+            <a:endParaRPr lang="zh-TW" altLang="en-US" sz="1200" dirty="0"/>
           </a:p>
         </p:txBody>
       </p:sp>
@@ -5494,21 +5610,48 @@
           <a:chExt cx="0" cy="0"/>
         </a:xfrm>
       </p:grpSpPr>
+      <p:sp>
+        <p:nvSpPr>
+          <p:cNvPr id="5" name="投影片編號版面配置區 4">
+            <a:extLst>
+              <a:ext uri="{FF2B5EF4-FFF2-40B4-BE49-F238E27FC236}">
+                <a16:creationId xmlns:a16="http://schemas.microsoft.com/office/drawing/2014/main" id="{FE7DC125-B58F-E7FB-AD55-A8EF671B8F92}"/>
+              </a:ext>
+            </a:extLst>
+          </p:cNvPr>
+          <p:cNvSpPr>
+            <a:spLocks noGrp="1"/>
+          </p:cNvSpPr>
+          <p:nvPr>
+            <p:ph type="sldNum" sz="quarter" idx="12"/>
+          </p:nvPr>
+        </p:nvSpPr>
+        <p:spPr/>
+        <p:txBody>
+          <a:bodyPr/>
+          <a:lstStyle/>
+          <a:p>
+            <a:fld id="{10FD45D0-0A3B-49B7-B6F5-CED80D8EC01B}" type="slidenum">
+              <a:rPr lang="zh-TW" altLang="en-US" smtClean="0"/>
+              <a:t>5</a:t>
+            </a:fld>
+            <a:endParaRPr lang="zh-TW" altLang="en-US"/>
+          </a:p>
+        </p:txBody>
+      </p:sp>
       <p:pic>
         <p:nvPicPr>
-          <p:cNvPr id="4" name="內容版面配置區 4">
+          <p:cNvPr id="3" name="圖片 2" descr="一張含有 文字, 螢幕擷取畫面, 圖表, 字型 的圖片&#10;&#10;自動產生的描述">
             <a:extLst>
               <a:ext uri="{FF2B5EF4-FFF2-40B4-BE49-F238E27FC236}">
-                <a16:creationId xmlns:a16="http://schemas.microsoft.com/office/drawing/2014/main" id="{E62D4D0C-072B-F134-C65B-1BDFC1765889}"/>
+                <a16:creationId xmlns:a16="http://schemas.microsoft.com/office/drawing/2014/main" id="{37EF8581-A799-870F-18BD-7800B5ECB0FD}"/>
               </a:ext>
             </a:extLst>
           </p:cNvPr>
           <p:cNvPicPr>
-            <a:picLocks noGrp="1" noChangeAspect="1"/>
+            <a:picLocks noChangeAspect="1"/>
           </p:cNvPicPr>
-          <p:nvPr>
-            <p:ph idx="4294967295"/>
-          </p:nvPr>
+          <p:nvPr/>
         </p:nvPicPr>
         <p:blipFill>
           <a:blip r:embed="rId2">
@@ -5518,13 +5661,14 @@
               </a:ext>
             </a:extLst>
           </a:blip>
-          <a:srcRect/>
-          <a:stretch/>
+          <a:stretch>
+            <a:fillRect/>
+          </a:stretch>
         </p:blipFill>
         <p:spPr>
           <a:xfrm>
-            <a:off x="1616095" y="140800"/>
-            <a:ext cx="8959811" cy="5965360"/>
+            <a:off x="2369784" y="60960"/>
+            <a:ext cx="7452433" cy="6211603"/>
           </a:xfrm>
           <a:prstGeom prst="rect">
             <a:avLst/>
@@ -5533,30 +5677,36 @@
       </p:pic>
       <p:sp>
         <p:nvSpPr>
-          <p:cNvPr id="5" name="投影片編號版面配置區 4">
+          <p:cNvPr id="6" name="文字方塊 5">
             <a:extLst>
               <a:ext uri="{FF2B5EF4-FFF2-40B4-BE49-F238E27FC236}">
-                <a16:creationId xmlns:a16="http://schemas.microsoft.com/office/drawing/2014/main" id="{FE7DC125-B58F-E7FB-AD55-A8EF671B8F92}"/>
+                <a16:creationId xmlns:a16="http://schemas.microsoft.com/office/drawing/2014/main" id="{37854B54-B4CA-D371-C0D9-7631AB8F13E5}"/>
               </a:ext>
             </a:extLst>
           </p:cNvPr>
-          <p:cNvSpPr>
-            <a:spLocks noGrp="1"/>
-          </p:cNvSpPr>
-          <p:nvPr>
-            <p:ph type="sldNum" sz="quarter" idx="12"/>
-          </p:nvPr>
-        </p:nvSpPr>
-        <p:spPr/>
-        <p:txBody>
-          <a:bodyPr/>
-          <a:lstStyle/>
-          <a:p>
-            <a:fld id="{10FD45D0-0A3B-49B7-B6F5-CED80D8EC01B}" type="slidenum">
-              <a:rPr lang="zh-TW" altLang="en-US" smtClean="0"/>
-              <a:t>5</a:t>
-            </a:fld>
-            <a:endParaRPr lang="zh-TW" altLang="en-US"/>
+          <p:cNvSpPr txBox="1"/>
+          <p:nvPr/>
+        </p:nvSpPr>
+        <p:spPr>
+          <a:xfrm>
+            <a:off x="0" y="0"/>
+            <a:ext cx="792480" cy="461665"/>
+          </a:xfrm>
+          <a:prstGeom prst="rect">
+            <a:avLst/>
+          </a:prstGeom>
+          <a:noFill/>
+        </p:spPr>
+        <p:txBody>
+          <a:bodyPr wrap="square" rtlCol="0">
+            <a:spAutoFit/>
+          </a:bodyPr>
+          <a:lstStyle/>
+          <a:p>
+            <a:r>
+              <a:rPr lang="zh-TW" altLang="en-US" sz="2400" b="1" dirty="0"/>
+              <a:t>範例</a:t>
+            </a:r>
           </a:p>
         </p:txBody>
       </p:sp>
@@ -5595,7 +5745,7 @@
           <p:cNvPr id="2" name="標題 1">
             <a:extLst>
               <a:ext uri="{FF2B5EF4-FFF2-40B4-BE49-F238E27FC236}">
-                <a16:creationId xmlns:a16="http://schemas.microsoft.com/office/drawing/2014/main" id="{877C5FF0-E9A0-C3E6-CE4A-499CFE3D22BE}"/>
+                <a16:creationId xmlns:a16="http://schemas.microsoft.com/office/drawing/2014/main" id="{A6251DF1-C6E3-DF22-1D69-68FAA6E8C9D7}"/>
               </a:ext>
             </a:extLst>
           </p:cNvPr>
@@ -5613,41 +5763,17 @@
           <a:p>
             <a:r>
               <a:rPr lang="zh-TW" altLang="en-US" dirty="0"/>
-              <a:t>匯出</a:t>
-            </a:r>
-            <a:r>
-              <a:rPr lang="en-US" altLang="zh-TW" dirty="0"/>
-              <a:t>.</a:t>
-            </a:r>
-            <a:r>
-              <a:rPr lang="en-US" altLang="zh-TW" dirty="0" err="1"/>
-              <a:t>inp</a:t>
-            </a:r>
-            <a:r>
-              <a:rPr lang="zh-TW" altLang="en-US" dirty="0"/>
-              <a:t>及</a:t>
-            </a:r>
-            <a:r>
-              <a:rPr lang="en-US" altLang="zh-TW" dirty="0"/>
-              <a:t>.</a:t>
-            </a:r>
-            <a:r>
-              <a:rPr lang="en-US" altLang="zh-TW" dirty="0" err="1"/>
-              <a:t>rpt</a:t>
-            </a:r>
-            <a:r>
-              <a:rPr lang="zh-TW" altLang="en-US" dirty="0"/>
-              <a:t>檔</a:t>
+              <a:t>程式操作</a:t>
             </a:r>
           </a:p>
         </p:txBody>
       </p:sp>
       <p:pic>
         <p:nvPicPr>
-          <p:cNvPr id="7" name="圖片 6">
+          <p:cNvPr id="8" name="圖片 7">
             <a:extLst>
               <a:ext uri="{FF2B5EF4-FFF2-40B4-BE49-F238E27FC236}">
-                <a16:creationId xmlns:a16="http://schemas.microsoft.com/office/drawing/2014/main" id="{AB95FB60-1687-F0FF-2617-8A2FE49CD9F1}"/>
+                <a16:creationId xmlns:a16="http://schemas.microsoft.com/office/drawing/2014/main" id="{93AB6118-15C0-CED0-F958-B94FF327C330}"/>
               </a:ext>
             </a:extLst>
           </p:cNvPr>
@@ -5657,220 +5783,32 @@
           <p:nvPr/>
         </p:nvPicPr>
         <p:blipFill>
-          <a:blip r:embed="rId2"/>
-          <a:stretch>
-            <a:fillRect/>
-          </a:stretch>
+          <a:blip r:embed="rId2">
+            <a:extLst>
+              <a:ext uri="{28A0092B-C50C-407E-A947-70E740481C1C}">
+                <a14:useLocalDpi xmlns:a14="http://schemas.microsoft.com/office/drawing/2010/main" val="0"/>
+              </a:ext>
+            </a:extLst>
+          </a:blip>
+          <a:srcRect/>
+          <a:stretch/>
         </p:blipFill>
         <p:spPr>
           <a:xfrm>
-            <a:off x="325058" y="1880183"/>
-            <a:ext cx="3602738" cy="3600000"/>
+            <a:off x="325755" y="1937702"/>
+            <a:ext cx="7639050" cy="4181475"/>
           </a:xfrm>
           <a:prstGeom prst="rect">
             <a:avLst/>
           </a:prstGeom>
         </p:spPr>
       </p:pic>
-      <p:pic>
-        <p:nvPicPr>
-          <p:cNvPr id="8" name="圖片 7">
+      <p:sp>
+        <p:nvSpPr>
+          <p:cNvPr id="9" name="橢圓 8">
             <a:extLst>
               <a:ext uri="{FF2B5EF4-FFF2-40B4-BE49-F238E27FC236}">
-                <a16:creationId xmlns:a16="http://schemas.microsoft.com/office/drawing/2014/main" id="{F1362564-1DE4-FDDE-F39A-FC67DD112A32}"/>
-              </a:ext>
-            </a:extLst>
-          </p:cNvPr>
-          <p:cNvPicPr>
-            <a:picLocks noChangeAspect="1"/>
-          </p:cNvPicPr>
-          <p:nvPr/>
-        </p:nvPicPr>
-        <p:blipFill>
-          <a:blip r:embed="rId3"/>
-          <a:stretch>
-            <a:fillRect/>
-          </a:stretch>
-        </p:blipFill>
-        <p:spPr>
-          <a:xfrm>
-            <a:off x="4294631" y="1880183"/>
-            <a:ext cx="3602738" cy="3600000"/>
-          </a:xfrm>
-          <a:prstGeom prst="rect">
-            <a:avLst/>
-          </a:prstGeom>
-        </p:spPr>
-      </p:pic>
-      <p:pic>
-        <p:nvPicPr>
-          <p:cNvPr id="9" name="圖片 8">
-            <a:extLst>
-              <a:ext uri="{FF2B5EF4-FFF2-40B4-BE49-F238E27FC236}">
-                <a16:creationId xmlns:a16="http://schemas.microsoft.com/office/drawing/2014/main" id="{8508B7CD-5913-937C-F3A1-B2606F4AFE92}"/>
-              </a:ext>
-            </a:extLst>
-          </p:cNvPr>
-          <p:cNvPicPr>
-            <a:picLocks noChangeAspect="1"/>
-          </p:cNvPicPr>
-          <p:nvPr/>
-        </p:nvPicPr>
-        <p:blipFill>
-          <a:blip r:embed="rId4"/>
-          <a:stretch>
-            <a:fillRect/>
-          </a:stretch>
-        </p:blipFill>
-        <p:spPr>
-          <a:xfrm>
-            <a:off x="8264204" y="1880183"/>
-            <a:ext cx="3602738" cy="3600000"/>
-          </a:xfrm>
-          <a:prstGeom prst="rect">
-            <a:avLst/>
-          </a:prstGeom>
-        </p:spPr>
-      </p:pic>
-      <p:sp>
-        <p:nvSpPr>
-          <p:cNvPr id="11" name="文字方塊 10">
-            <a:extLst>
-              <a:ext uri="{FF2B5EF4-FFF2-40B4-BE49-F238E27FC236}">
-                <a16:creationId xmlns:a16="http://schemas.microsoft.com/office/drawing/2014/main" id="{779B9444-E1DD-C7D0-3BEE-093AC44E7C82}"/>
-              </a:ext>
-            </a:extLst>
-          </p:cNvPr>
-          <p:cNvSpPr txBox="1"/>
-          <p:nvPr/>
-        </p:nvSpPr>
-        <p:spPr>
-          <a:xfrm>
-            <a:off x="1059627" y="5503180"/>
-            <a:ext cx="2133600" cy="523220"/>
-          </a:xfrm>
-          <a:prstGeom prst="rect">
-            <a:avLst/>
-          </a:prstGeom>
-          <a:noFill/>
-        </p:spPr>
-        <p:txBody>
-          <a:bodyPr wrap="square" rtlCol="0">
-            <a:spAutoFit/>
-          </a:bodyPr>
-          <a:lstStyle/>
-          <a:p>
-            <a:r>
-              <a:rPr lang="en-US" altLang="zh-TW" sz="1400" dirty="0"/>
-              <a:t>File – Export –Network</a:t>
-            </a:r>
-          </a:p>
-          <a:p>
-            <a:r>
-              <a:rPr lang="zh-TW" altLang="en-US" sz="1400" dirty="0"/>
-              <a:t>匯出</a:t>
-            </a:r>
-            <a:r>
-              <a:rPr lang="en-US" altLang="zh-TW" sz="1400" dirty="0" err="1"/>
-              <a:t>inp</a:t>
-            </a:r>
-            <a:r>
-              <a:rPr lang="zh-TW" altLang="en-US" sz="1400" dirty="0"/>
-              <a:t>檔</a:t>
-            </a:r>
-          </a:p>
-        </p:txBody>
-      </p:sp>
-      <p:sp>
-        <p:nvSpPr>
-          <p:cNvPr id="12" name="文字方塊 11">
-            <a:extLst>
-              <a:ext uri="{FF2B5EF4-FFF2-40B4-BE49-F238E27FC236}">
-                <a16:creationId xmlns:a16="http://schemas.microsoft.com/office/drawing/2014/main" id="{E06CE6CB-66D1-9F94-FBD6-91F2ED0B6868}"/>
-              </a:ext>
-            </a:extLst>
-          </p:cNvPr>
-          <p:cNvSpPr txBox="1"/>
-          <p:nvPr/>
-        </p:nvSpPr>
-        <p:spPr>
-          <a:xfrm>
-            <a:off x="5029200" y="5503180"/>
-            <a:ext cx="2133600" cy="307777"/>
-          </a:xfrm>
-          <a:prstGeom prst="rect">
-            <a:avLst/>
-          </a:prstGeom>
-          <a:noFill/>
-        </p:spPr>
-        <p:txBody>
-          <a:bodyPr wrap="square" rtlCol="0">
-            <a:spAutoFit/>
-          </a:bodyPr>
-          <a:lstStyle/>
-          <a:p>
-            <a:r>
-              <a:rPr lang="zh-TW" altLang="en-US" sz="1400" dirty="0"/>
-              <a:t>執行分析功能</a:t>
-            </a:r>
-          </a:p>
-        </p:txBody>
-      </p:sp>
-      <p:sp>
-        <p:nvSpPr>
-          <p:cNvPr id="13" name="文字方塊 12">
-            <a:extLst>
-              <a:ext uri="{FF2B5EF4-FFF2-40B4-BE49-F238E27FC236}">
-                <a16:creationId xmlns:a16="http://schemas.microsoft.com/office/drawing/2014/main" id="{44225B50-9804-3E50-A150-2857BEB0BB61}"/>
-              </a:ext>
-            </a:extLst>
-          </p:cNvPr>
-          <p:cNvSpPr txBox="1"/>
-          <p:nvPr/>
-        </p:nvSpPr>
-        <p:spPr>
-          <a:xfrm>
-            <a:off x="8998773" y="5503180"/>
-            <a:ext cx="2133600" cy="523220"/>
-          </a:xfrm>
-          <a:prstGeom prst="rect">
-            <a:avLst/>
-          </a:prstGeom>
-          <a:noFill/>
-        </p:spPr>
-        <p:txBody>
-          <a:bodyPr wrap="square" rtlCol="0">
-            <a:spAutoFit/>
-          </a:bodyPr>
-          <a:lstStyle/>
-          <a:p>
-            <a:r>
-              <a:rPr lang="en-US" altLang="zh-TW" sz="1400" dirty="0"/>
-              <a:t>Report – Full</a:t>
-            </a:r>
-          </a:p>
-          <a:p>
-            <a:r>
-              <a:rPr lang="zh-TW" altLang="en-US" sz="1400" dirty="0"/>
-              <a:t>匯出</a:t>
-            </a:r>
-            <a:r>
-              <a:rPr lang="en-US" altLang="zh-TW" sz="1400" dirty="0" err="1"/>
-              <a:t>rpt</a:t>
-            </a:r>
-            <a:r>
-              <a:rPr lang="zh-TW" altLang="en-US" sz="1400" dirty="0"/>
-              <a:t>檔</a:t>
-            </a:r>
-          </a:p>
-        </p:txBody>
-      </p:sp>
-      <p:sp>
-        <p:nvSpPr>
-          <p:cNvPr id="14" name="矩形 13">
-            <a:extLst>
-              <a:ext uri="{FF2B5EF4-FFF2-40B4-BE49-F238E27FC236}">
-                <a16:creationId xmlns:a16="http://schemas.microsoft.com/office/drawing/2014/main" id="{476D0D8B-5885-E6BA-4938-257F15F87C5B}"/>
+                <a16:creationId xmlns:a16="http://schemas.microsoft.com/office/drawing/2014/main" id="{924246C4-8B38-0E2E-5345-10F8293B2B5D}"/>
               </a:ext>
             </a:extLst>
           </p:cNvPr>
@@ -5879,16 +5817,18 @@
         </p:nvSpPr>
         <p:spPr>
           <a:xfrm>
-            <a:off x="4701978" y="2189889"/>
-            <a:ext cx="252000" cy="252000"/>
-          </a:xfrm>
-          <a:prstGeom prst="rect">
+            <a:off x="7849565" y="2296743"/>
+            <a:ext cx="304800" cy="304800"/>
+          </a:xfrm>
+          <a:prstGeom prst="ellipse">
             <a:avLst/>
           </a:prstGeom>
-          <a:noFill/>
-          <a:ln w="28575">
+          <a:solidFill>
+            <a:schemeClr val="bg1"/>
+          </a:solidFill>
+          <a:ln>
             <a:solidFill>
-              <a:srgbClr val="FF0000"/>
+              <a:schemeClr val="tx1"/>
             </a:solidFill>
           </a:ln>
         </p:spPr>
@@ -5913,16 +5853,28 @@
           <a:lstStyle/>
           <a:p>
             <a:pPr algn="ctr"/>
-            <a:endParaRPr lang="zh-TW" altLang="en-US"/>
-          </a:p>
-        </p:txBody>
-      </p:sp>
-      <p:sp>
-        <p:nvSpPr>
-          <p:cNvPr id="15" name="橢圓 14">
+            <a:r>
+              <a:rPr lang="en-US" altLang="zh-TW" dirty="0">
+                <a:solidFill>
+                  <a:schemeClr val="tx1"/>
+                </a:solidFill>
+              </a:rPr>
+              <a:t>1</a:t>
+            </a:r>
+            <a:endParaRPr lang="zh-TW" altLang="en-US" dirty="0">
+              <a:solidFill>
+                <a:schemeClr val="tx1"/>
+              </a:solidFill>
+            </a:endParaRPr>
+          </a:p>
+        </p:txBody>
+      </p:sp>
+      <p:sp>
+        <p:nvSpPr>
+          <p:cNvPr id="10" name="橢圓 9">
             <a:extLst>
               <a:ext uri="{FF2B5EF4-FFF2-40B4-BE49-F238E27FC236}">
-                <a16:creationId xmlns:a16="http://schemas.microsoft.com/office/drawing/2014/main" id="{51DD68A4-0EF4-8AB8-E4F6-7B4C8FE4BC4E}"/>
+                <a16:creationId xmlns:a16="http://schemas.microsoft.com/office/drawing/2014/main" id="{2D1A3CE7-58B9-339B-B49F-E11569E1420E}"/>
               </a:ext>
             </a:extLst>
           </p:cNvPr>
@@ -5931,7 +5883,7 @@
         </p:nvSpPr>
         <p:spPr>
           <a:xfrm>
-            <a:off x="4974298" y="1880183"/>
+            <a:off x="7849565" y="2601543"/>
             <a:ext cx="304800" cy="304800"/>
           </a:xfrm>
           <a:prstGeom prst="ellipse">
@@ -5973,7 +5925,7 @@
                   <a:schemeClr val="tx1"/>
                 </a:solidFill>
               </a:rPr>
-              <a:t>1</a:t>
+              <a:t>2</a:t>
             </a:r>
             <a:endParaRPr lang="zh-TW" altLang="en-US" dirty="0">
               <a:solidFill>
@@ -5985,10 +5937,10 @@
       </p:sp>
       <p:sp>
         <p:nvSpPr>
-          <p:cNvPr id="16" name="矩形 15">
+          <p:cNvPr id="12" name="橢圓 11">
             <a:extLst>
               <a:ext uri="{FF2B5EF4-FFF2-40B4-BE49-F238E27FC236}">
-                <a16:creationId xmlns:a16="http://schemas.microsoft.com/office/drawing/2014/main" id="{EF4B042C-3729-53F6-B3C5-3AFCD2F60326}"/>
+                <a16:creationId xmlns:a16="http://schemas.microsoft.com/office/drawing/2014/main" id="{544120BF-6AAD-EFB2-2463-483F91877D86}"/>
               </a:ext>
             </a:extLst>
           </p:cNvPr>
@@ -5997,16 +5949,18 @@
         </p:nvSpPr>
         <p:spPr>
           <a:xfrm>
-            <a:off x="5729679" y="3448503"/>
-            <a:ext cx="651362" cy="252000"/>
-          </a:xfrm>
-          <a:prstGeom prst="rect">
+            <a:off x="7849565" y="5585624"/>
+            <a:ext cx="304800" cy="304800"/>
+          </a:xfrm>
+          <a:prstGeom prst="ellipse">
             <a:avLst/>
           </a:prstGeom>
-          <a:noFill/>
-          <a:ln w="28575">
+          <a:solidFill>
+            <a:schemeClr val="bg1"/>
+          </a:solidFill>
+          <a:ln>
             <a:solidFill>
-              <a:srgbClr val="FF0000"/>
+              <a:schemeClr val="tx1"/>
             </a:solidFill>
           </a:ln>
         </p:spPr>
@@ -6031,448 +5985,13 @@
           <a:lstStyle/>
           <a:p>
             <a:pPr algn="ctr"/>
-            <a:endParaRPr lang="zh-TW" altLang="en-US"/>
-          </a:p>
-        </p:txBody>
-      </p:sp>
-      <p:sp>
-        <p:nvSpPr>
-          <p:cNvPr id="17" name="橢圓 16">
-            <a:extLst>
-              <a:ext uri="{FF2B5EF4-FFF2-40B4-BE49-F238E27FC236}">
-                <a16:creationId xmlns:a16="http://schemas.microsoft.com/office/drawing/2014/main" id="{B27C4A7E-3AFC-E587-AA81-E9D6DF4970C4}"/>
-              </a:ext>
-            </a:extLst>
-          </p:cNvPr>
-          <p:cNvSpPr/>
-          <p:nvPr/>
-        </p:nvSpPr>
-        <p:spPr>
-          <a:xfrm>
-            <a:off x="6360721" y="3672286"/>
-            <a:ext cx="304800" cy="304800"/>
-          </a:xfrm>
-          <a:prstGeom prst="ellipse">
-            <a:avLst/>
-          </a:prstGeom>
-          <a:solidFill>
-            <a:schemeClr val="bg1"/>
-          </a:solidFill>
-          <a:ln>
-            <a:solidFill>
-              <a:schemeClr val="tx1"/>
-            </a:solidFill>
-          </a:ln>
-        </p:spPr>
-        <p:style>
-          <a:lnRef idx="2">
-            <a:schemeClr val="accent1">
-              <a:shade val="15000"/>
-            </a:schemeClr>
-          </a:lnRef>
-          <a:fillRef idx="1">
-            <a:schemeClr val="accent1"/>
-          </a:fillRef>
-          <a:effectRef idx="0">
-            <a:schemeClr val="accent1"/>
-          </a:effectRef>
-          <a:fontRef idx="minor">
-            <a:schemeClr val="lt1"/>
-          </a:fontRef>
-        </p:style>
-        <p:txBody>
-          <a:bodyPr rtlCol="0" anchor="ctr"/>
-          <a:lstStyle/>
-          <a:p>
-            <a:pPr algn="ctr"/>
             <a:r>
               <a:rPr lang="en-US" altLang="zh-TW" dirty="0">
                 <a:solidFill>
                   <a:schemeClr val="tx1"/>
                 </a:solidFill>
               </a:rPr>
-              <a:t>2</a:t>
-            </a:r>
-            <a:endParaRPr lang="zh-TW" altLang="en-US" dirty="0">
-              <a:solidFill>
-                <a:schemeClr val="tx1"/>
-              </a:solidFill>
-            </a:endParaRPr>
-          </a:p>
-        </p:txBody>
-      </p:sp>
-      <p:sp>
-        <p:nvSpPr>
-          <p:cNvPr id="3" name="投影片編號版面配置區 2">
-            <a:extLst>
-              <a:ext uri="{FF2B5EF4-FFF2-40B4-BE49-F238E27FC236}">
-                <a16:creationId xmlns:a16="http://schemas.microsoft.com/office/drawing/2014/main" id="{CB91772A-7CB7-1DDA-7DF4-F52C0488CB7C}"/>
-              </a:ext>
-            </a:extLst>
-          </p:cNvPr>
-          <p:cNvSpPr>
-            <a:spLocks noGrp="1"/>
-          </p:cNvSpPr>
-          <p:nvPr>
-            <p:ph type="sldNum" sz="quarter" idx="12"/>
-          </p:nvPr>
-        </p:nvSpPr>
-        <p:spPr/>
-        <p:txBody>
-          <a:bodyPr/>
-          <a:lstStyle/>
-          <a:p>
-            <a:fld id="{10FD45D0-0A3B-49B7-B6F5-CED80D8EC01B}" type="slidenum">
-              <a:rPr lang="zh-TW" altLang="en-US" smtClean="0"/>
-              <a:t>6</a:t>
-            </a:fld>
-            <a:endParaRPr lang="zh-TW" altLang="en-US"/>
-          </a:p>
-        </p:txBody>
-      </p:sp>
-    </p:spTree>
-    <p:extLst>
-      <p:ext uri="{BB962C8B-B14F-4D97-AF65-F5344CB8AC3E}">
-        <p14:creationId xmlns:p14="http://schemas.microsoft.com/office/powerpoint/2010/main" val="1662439514"/>
-      </p:ext>
-    </p:extLst>
-  </p:cSld>
-  <p:clrMapOvr>
-    <a:masterClrMapping/>
-  </p:clrMapOvr>
-</p:sld>
-</file>
-
-<file path=ppt/slides/slide7.xml><?xml version="1.0" encoding="utf-8"?>
-<p:sld xmlns:a="http://schemas.openxmlformats.org/drawingml/2006/main" xmlns:r="http://schemas.openxmlformats.org/officeDocument/2006/relationships" xmlns:p="http://schemas.openxmlformats.org/presentationml/2006/main">
-  <p:cSld>
-    <p:spTree>
-      <p:nvGrpSpPr>
-        <p:cNvPr id="1" name=""/>
-        <p:cNvGrpSpPr/>
-        <p:nvPr/>
-      </p:nvGrpSpPr>
-      <p:grpSpPr>
-        <a:xfrm>
-          <a:off x="0" y="0"/>
-          <a:ext cx="0" cy="0"/>
-          <a:chOff x="0" y="0"/>
-          <a:chExt cx="0" cy="0"/>
-        </a:xfrm>
-      </p:grpSpPr>
-      <p:sp>
-        <p:nvSpPr>
-          <p:cNvPr id="2" name="標題 1">
-            <a:extLst>
-              <a:ext uri="{FF2B5EF4-FFF2-40B4-BE49-F238E27FC236}">
-                <a16:creationId xmlns:a16="http://schemas.microsoft.com/office/drawing/2014/main" id="{A6251DF1-C6E3-DF22-1D69-68FAA6E8C9D7}"/>
-              </a:ext>
-            </a:extLst>
-          </p:cNvPr>
-          <p:cNvSpPr>
-            <a:spLocks noGrp="1"/>
-          </p:cNvSpPr>
-          <p:nvPr>
-            <p:ph type="title"/>
-          </p:nvPr>
-        </p:nvSpPr>
-        <p:spPr/>
-        <p:txBody>
-          <a:bodyPr/>
-          <a:lstStyle/>
-          <a:p>
-            <a:r>
-              <a:rPr lang="zh-TW" altLang="en-US" dirty="0"/>
-              <a:t>程式操作</a:t>
-            </a:r>
-          </a:p>
-        </p:txBody>
-      </p:sp>
-      <p:pic>
-        <p:nvPicPr>
-          <p:cNvPr id="8" name="圖片 7">
-            <a:extLst>
-              <a:ext uri="{FF2B5EF4-FFF2-40B4-BE49-F238E27FC236}">
-                <a16:creationId xmlns:a16="http://schemas.microsoft.com/office/drawing/2014/main" id="{93AB6118-15C0-CED0-F958-B94FF327C330}"/>
-              </a:ext>
-            </a:extLst>
-          </p:cNvPr>
-          <p:cNvPicPr>
-            <a:picLocks noChangeAspect="1"/>
-          </p:cNvPicPr>
-          <p:nvPr/>
-        </p:nvPicPr>
-        <p:blipFill>
-          <a:blip r:embed="rId2"/>
-          <a:stretch>
-            <a:fillRect/>
-          </a:stretch>
-        </p:blipFill>
-        <p:spPr>
-          <a:xfrm>
-            <a:off x="325755" y="1937702"/>
-            <a:ext cx="7639050" cy="4181475"/>
-          </a:xfrm>
-          <a:prstGeom prst="rect">
-            <a:avLst/>
-          </a:prstGeom>
-        </p:spPr>
-      </p:pic>
-      <p:sp>
-        <p:nvSpPr>
-          <p:cNvPr id="9" name="橢圓 8">
-            <a:extLst>
-              <a:ext uri="{FF2B5EF4-FFF2-40B4-BE49-F238E27FC236}">
-                <a16:creationId xmlns:a16="http://schemas.microsoft.com/office/drawing/2014/main" id="{924246C4-8B38-0E2E-5345-10F8293B2B5D}"/>
-              </a:ext>
-            </a:extLst>
-          </p:cNvPr>
-          <p:cNvSpPr/>
-          <p:nvPr/>
-        </p:nvSpPr>
-        <p:spPr>
-          <a:xfrm>
-            <a:off x="7812405" y="2296743"/>
-            <a:ext cx="304800" cy="304800"/>
-          </a:xfrm>
-          <a:prstGeom prst="ellipse">
-            <a:avLst/>
-          </a:prstGeom>
-          <a:solidFill>
-            <a:schemeClr val="bg1"/>
-          </a:solidFill>
-          <a:ln>
-            <a:solidFill>
-              <a:schemeClr val="tx1"/>
-            </a:solidFill>
-          </a:ln>
-        </p:spPr>
-        <p:style>
-          <a:lnRef idx="2">
-            <a:schemeClr val="accent1">
-              <a:shade val="15000"/>
-            </a:schemeClr>
-          </a:lnRef>
-          <a:fillRef idx="1">
-            <a:schemeClr val="accent1"/>
-          </a:fillRef>
-          <a:effectRef idx="0">
-            <a:schemeClr val="accent1"/>
-          </a:effectRef>
-          <a:fontRef idx="minor">
-            <a:schemeClr val="lt1"/>
-          </a:fontRef>
-        </p:style>
-        <p:txBody>
-          <a:bodyPr rtlCol="0" anchor="ctr"/>
-          <a:lstStyle/>
-          <a:p>
-            <a:pPr algn="ctr"/>
-            <a:r>
-              <a:rPr lang="en-US" altLang="zh-TW" dirty="0">
-                <a:solidFill>
-                  <a:schemeClr val="tx1"/>
-                </a:solidFill>
-              </a:rPr>
-              <a:t>1</a:t>
-            </a:r>
-            <a:endParaRPr lang="zh-TW" altLang="en-US" dirty="0">
-              <a:solidFill>
-                <a:schemeClr val="tx1"/>
-              </a:solidFill>
-            </a:endParaRPr>
-          </a:p>
-        </p:txBody>
-      </p:sp>
-      <p:sp>
-        <p:nvSpPr>
-          <p:cNvPr id="10" name="橢圓 9">
-            <a:extLst>
-              <a:ext uri="{FF2B5EF4-FFF2-40B4-BE49-F238E27FC236}">
-                <a16:creationId xmlns:a16="http://schemas.microsoft.com/office/drawing/2014/main" id="{2D1A3CE7-58B9-339B-B49F-E11569E1420E}"/>
-              </a:ext>
-            </a:extLst>
-          </p:cNvPr>
-          <p:cNvSpPr/>
-          <p:nvPr/>
-        </p:nvSpPr>
-        <p:spPr>
-          <a:xfrm>
-            <a:off x="7812405" y="2601543"/>
-            <a:ext cx="304800" cy="304800"/>
-          </a:xfrm>
-          <a:prstGeom prst="ellipse">
-            <a:avLst/>
-          </a:prstGeom>
-          <a:solidFill>
-            <a:schemeClr val="bg1"/>
-          </a:solidFill>
-          <a:ln>
-            <a:solidFill>
-              <a:schemeClr val="tx1"/>
-            </a:solidFill>
-          </a:ln>
-        </p:spPr>
-        <p:style>
-          <a:lnRef idx="2">
-            <a:schemeClr val="accent1">
-              <a:shade val="15000"/>
-            </a:schemeClr>
-          </a:lnRef>
-          <a:fillRef idx="1">
-            <a:schemeClr val="accent1"/>
-          </a:fillRef>
-          <a:effectRef idx="0">
-            <a:schemeClr val="accent1"/>
-          </a:effectRef>
-          <a:fontRef idx="minor">
-            <a:schemeClr val="lt1"/>
-          </a:fontRef>
-        </p:style>
-        <p:txBody>
-          <a:bodyPr rtlCol="0" anchor="ctr"/>
-          <a:lstStyle/>
-          <a:p>
-            <a:pPr algn="ctr"/>
-            <a:r>
-              <a:rPr lang="en-US" altLang="zh-TW" dirty="0">
-                <a:solidFill>
-                  <a:schemeClr val="tx1"/>
-                </a:solidFill>
-              </a:rPr>
-              <a:t>2</a:t>
-            </a:r>
-            <a:endParaRPr lang="zh-TW" altLang="en-US" dirty="0">
-              <a:solidFill>
-                <a:schemeClr val="tx1"/>
-              </a:solidFill>
-            </a:endParaRPr>
-          </a:p>
-        </p:txBody>
-      </p:sp>
-      <p:sp>
-        <p:nvSpPr>
-          <p:cNvPr id="11" name="橢圓 10">
-            <a:extLst>
-              <a:ext uri="{FF2B5EF4-FFF2-40B4-BE49-F238E27FC236}">
-                <a16:creationId xmlns:a16="http://schemas.microsoft.com/office/drawing/2014/main" id="{D9C1EA02-CB80-743C-8C96-AABD95E6274C}"/>
-              </a:ext>
-            </a:extLst>
-          </p:cNvPr>
-          <p:cNvSpPr/>
-          <p:nvPr/>
-        </p:nvSpPr>
-        <p:spPr>
-          <a:xfrm>
-            <a:off x="2407285" y="3289565"/>
-            <a:ext cx="304800" cy="304800"/>
-          </a:xfrm>
-          <a:prstGeom prst="ellipse">
-            <a:avLst/>
-          </a:prstGeom>
-          <a:solidFill>
-            <a:schemeClr val="bg1"/>
-          </a:solidFill>
-          <a:ln>
-            <a:solidFill>
-              <a:schemeClr val="tx1"/>
-            </a:solidFill>
-          </a:ln>
-        </p:spPr>
-        <p:style>
-          <a:lnRef idx="2">
-            <a:schemeClr val="accent1">
-              <a:shade val="15000"/>
-            </a:schemeClr>
-          </a:lnRef>
-          <a:fillRef idx="1">
-            <a:schemeClr val="accent1"/>
-          </a:fillRef>
-          <a:effectRef idx="0">
-            <a:schemeClr val="accent1"/>
-          </a:effectRef>
-          <a:fontRef idx="minor">
-            <a:schemeClr val="lt1"/>
-          </a:fontRef>
-        </p:style>
-        <p:txBody>
-          <a:bodyPr rtlCol="0" anchor="ctr"/>
-          <a:lstStyle/>
-          <a:p>
-            <a:pPr algn="ctr"/>
-            <a:r>
-              <a:rPr lang="en-US" altLang="zh-TW" dirty="0">
-                <a:solidFill>
-                  <a:schemeClr val="tx1"/>
-                </a:solidFill>
-              </a:rPr>
-              <a:t>3</a:t>
-            </a:r>
-            <a:endParaRPr lang="zh-TW" altLang="en-US" dirty="0">
-              <a:solidFill>
-                <a:schemeClr val="tx1"/>
-              </a:solidFill>
-            </a:endParaRPr>
-          </a:p>
-        </p:txBody>
-      </p:sp>
-      <p:sp>
-        <p:nvSpPr>
-          <p:cNvPr id="12" name="橢圓 11">
-            <a:extLst>
-              <a:ext uri="{FF2B5EF4-FFF2-40B4-BE49-F238E27FC236}">
-                <a16:creationId xmlns:a16="http://schemas.microsoft.com/office/drawing/2014/main" id="{544120BF-6AAD-EFB2-2463-483F91877D86}"/>
-              </a:ext>
-            </a:extLst>
-          </p:cNvPr>
-          <p:cNvSpPr/>
-          <p:nvPr/>
-        </p:nvSpPr>
-        <p:spPr>
-          <a:xfrm>
-            <a:off x="7812405" y="3137165"/>
-            <a:ext cx="304800" cy="304800"/>
-          </a:xfrm>
-          <a:prstGeom prst="ellipse">
-            <a:avLst/>
-          </a:prstGeom>
-          <a:solidFill>
-            <a:schemeClr val="bg1"/>
-          </a:solidFill>
-          <a:ln>
-            <a:solidFill>
-              <a:schemeClr val="tx1"/>
-            </a:solidFill>
-          </a:ln>
-        </p:spPr>
-        <p:style>
-          <a:lnRef idx="2">
-            <a:schemeClr val="accent1">
-              <a:shade val="15000"/>
-            </a:schemeClr>
-          </a:lnRef>
-          <a:fillRef idx="1">
-            <a:schemeClr val="accent1"/>
-          </a:fillRef>
-          <a:effectRef idx="0">
-            <a:schemeClr val="accent1"/>
-          </a:effectRef>
-          <a:fontRef idx="minor">
-            <a:schemeClr val="lt1"/>
-          </a:fontRef>
-        </p:style>
-        <p:txBody>
-          <a:bodyPr rtlCol="0" anchor="ctr"/>
-          <a:lstStyle/>
-          <a:p>
-            <a:pPr algn="ctr"/>
-            <a:r>
-              <a:rPr lang="en-US" altLang="zh-TW" dirty="0">
-                <a:solidFill>
-                  <a:schemeClr val="tx1"/>
-                </a:solidFill>
-              </a:rPr>
-              <a:t>4</a:t>
+              <a:t>5</a:t>
             </a:r>
             <a:endParaRPr lang="zh-TW" altLang="en-US" dirty="0">
               <a:solidFill>
@@ -6814,7 +6333,7 @@
               <a:buAutoNum type="arabicPeriod"/>
             </a:pPr>
             <a:r>
-              <a:rPr lang="zh-TW" altLang="en-US"/>
+              <a:rPr lang="zh-TW" altLang="en-US" dirty="0"/>
               <a:t>調整標示參數</a:t>
             </a:r>
             <a:endParaRPr lang="en-US" altLang="zh-TW" dirty="0"/>
@@ -6822,7 +6341,7 @@
           <a:p>
             <a:pPr marL="749808" lvl="1" indent="-457200">
               <a:lnSpc>
-                <a:spcPct val="200000"/>
+                <a:spcPct val="150000"/>
               </a:lnSpc>
               <a:buFont typeface="Wingdings" panose="05000000000000000000" pitchFamily="2" charset="2"/>
               <a:buChar char="l"/>
@@ -6836,7 +6355,7 @@
           <a:p>
             <a:pPr marL="749808" lvl="1" indent="-457200">
               <a:lnSpc>
-                <a:spcPct val="200000"/>
+                <a:spcPct val="150000"/>
               </a:lnSpc>
               <a:buFont typeface="Wingdings" panose="05000000000000000000" pitchFamily="2" charset="2"/>
               <a:buChar char="l"/>
@@ -6850,7 +6369,7 @@
           <a:p>
             <a:pPr marL="749808" lvl="1" indent="-457200">
               <a:lnSpc>
-                <a:spcPct val="200000"/>
+                <a:spcPct val="150000"/>
               </a:lnSpc>
               <a:buFont typeface="Wingdings" panose="05000000000000000000" pitchFamily="2" charset="2"/>
               <a:buChar char="l"/>
@@ -6859,6 +6378,20 @@
               <a:rPr lang="zh-TW" altLang="en-US" dirty="0"/>
               <a:t>引線偏移</a:t>
             </a:r>
+          </a:p>
+          <a:p>
+            <a:pPr marL="457200" indent="-457200">
+              <a:lnSpc>
+                <a:spcPct val="150000"/>
+              </a:lnSpc>
+              <a:buFont typeface="+mj-lt"/>
+              <a:buAutoNum type="arabicPeriod"/>
+            </a:pPr>
+            <a:r>
+              <a:rPr lang="zh-TW" altLang="en-US" dirty="0"/>
+              <a:t>選擇匯出時段</a:t>
+            </a:r>
+            <a:endParaRPr lang="en-US" altLang="zh-TW" dirty="0"/>
           </a:p>
           <a:p>
             <a:pPr marL="457200" indent="-457200">
@@ -6889,8 +6422,8 @@
         </p:nvSpPr>
         <p:spPr>
           <a:xfrm>
-            <a:off x="447040" y="2906343"/>
-            <a:ext cx="1899920" cy="1167817"/>
+            <a:off x="5735929" y="3169916"/>
+            <a:ext cx="2228876" cy="1167817"/>
           </a:xfrm>
           <a:prstGeom prst="rect">
             <a:avLst/>
@@ -6949,8 +6482,8 @@
         </p:blipFill>
         <p:spPr>
           <a:xfrm>
-            <a:off x="10018248" y="4865624"/>
-            <a:ext cx="1085607" cy="720000"/>
+            <a:off x="10018249" y="4605617"/>
+            <a:ext cx="903752" cy="599390"/>
           </a:xfrm>
           <a:prstGeom prst="rect">
             <a:avLst/>
@@ -6978,7 +6511,7 @@
         </p:blipFill>
         <p:spPr>
           <a:xfrm>
-            <a:off x="10018248" y="3715039"/>
+            <a:off x="10018248" y="3593119"/>
             <a:ext cx="149098" cy="576000"/>
           </a:xfrm>
           <a:prstGeom prst="rect">
@@ -7007,7 +6540,7 @@
         </p:blipFill>
         <p:spPr>
           <a:xfrm>
-            <a:off x="10018248" y="4402214"/>
+            <a:off x="10018248" y="4185006"/>
             <a:ext cx="2101645" cy="432000"/>
           </a:xfrm>
           <a:prstGeom prst="rect">
@@ -7038,9 +6571,193 @@
           <a:p>
             <a:fld id="{10FD45D0-0A3B-49B7-B6F5-CED80D8EC01B}" type="slidenum">
               <a:rPr lang="zh-TW" altLang="en-US" smtClean="0"/>
-              <a:t>7</a:t>
+              <a:t>6</a:t>
             </a:fld>
             <a:endParaRPr lang="zh-TW" altLang="en-US"/>
+          </a:p>
+        </p:txBody>
+      </p:sp>
+      <p:sp>
+        <p:nvSpPr>
+          <p:cNvPr id="11" name="橢圓 10">
+            <a:extLst>
+              <a:ext uri="{FF2B5EF4-FFF2-40B4-BE49-F238E27FC236}">
+                <a16:creationId xmlns:a16="http://schemas.microsoft.com/office/drawing/2014/main" id="{D9C1EA02-CB80-743C-8C96-AABD95E6274C}"/>
+              </a:ext>
+            </a:extLst>
+          </p:cNvPr>
+          <p:cNvSpPr/>
+          <p:nvPr/>
+        </p:nvSpPr>
+        <p:spPr>
+          <a:xfrm>
+            <a:off x="7849565" y="3705014"/>
+            <a:ext cx="304800" cy="304800"/>
+          </a:xfrm>
+          <a:prstGeom prst="ellipse">
+            <a:avLst/>
+          </a:prstGeom>
+          <a:solidFill>
+            <a:schemeClr val="bg1"/>
+          </a:solidFill>
+          <a:ln>
+            <a:solidFill>
+              <a:schemeClr val="tx1"/>
+            </a:solidFill>
+          </a:ln>
+        </p:spPr>
+        <p:style>
+          <a:lnRef idx="2">
+            <a:schemeClr val="accent1">
+              <a:shade val="15000"/>
+            </a:schemeClr>
+          </a:lnRef>
+          <a:fillRef idx="1">
+            <a:schemeClr val="accent1"/>
+          </a:fillRef>
+          <a:effectRef idx="0">
+            <a:schemeClr val="accent1"/>
+          </a:effectRef>
+          <a:fontRef idx="minor">
+            <a:schemeClr val="lt1"/>
+          </a:fontRef>
+        </p:style>
+        <p:txBody>
+          <a:bodyPr rtlCol="0" anchor="ctr"/>
+          <a:lstStyle/>
+          <a:p>
+            <a:pPr algn="ctr"/>
+            <a:r>
+              <a:rPr lang="en-US" altLang="zh-TW" dirty="0">
+                <a:solidFill>
+                  <a:schemeClr val="tx1"/>
+                </a:solidFill>
+              </a:rPr>
+              <a:t>3</a:t>
+            </a:r>
+            <a:endParaRPr lang="zh-TW" altLang="en-US" dirty="0">
+              <a:solidFill>
+                <a:schemeClr val="tx1"/>
+              </a:solidFill>
+            </a:endParaRPr>
+          </a:p>
+        </p:txBody>
+      </p:sp>
+      <p:sp>
+        <p:nvSpPr>
+          <p:cNvPr id="5" name="矩形 4">
+            <a:extLst>
+              <a:ext uri="{FF2B5EF4-FFF2-40B4-BE49-F238E27FC236}">
+                <a16:creationId xmlns:a16="http://schemas.microsoft.com/office/drawing/2014/main" id="{9286AC4C-A441-08F8-4E6C-BF94BB77CC44}"/>
+              </a:ext>
+            </a:extLst>
+          </p:cNvPr>
+          <p:cNvSpPr/>
+          <p:nvPr/>
+        </p:nvSpPr>
+        <p:spPr>
+          <a:xfrm>
+            <a:off x="5735929" y="4401006"/>
+            <a:ext cx="2228876" cy="1008613"/>
+          </a:xfrm>
+          <a:prstGeom prst="rect">
+            <a:avLst/>
+          </a:prstGeom>
+          <a:noFill/>
+          <a:ln>
+            <a:solidFill>
+              <a:srgbClr val="FF0000"/>
+            </a:solidFill>
+          </a:ln>
+        </p:spPr>
+        <p:style>
+          <a:lnRef idx="2">
+            <a:schemeClr val="accent1">
+              <a:shade val="15000"/>
+            </a:schemeClr>
+          </a:lnRef>
+          <a:fillRef idx="1">
+            <a:schemeClr val="accent1"/>
+          </a:fillRef>
+          <a:effectRef idx="0">
+            <a:schemeClr val="accent1"/>
+          </a:effectRef>
+          <a:fontRef idx="minor">
+            <a:schemeClr val="lt1"/>
+          </a:fontRef>
+        </p:style>
+        <p:txBody>
+          <a:bodyPr rtlCol="0" anchor="ctr"/>
+          <a:lstStyle/>
+          <a:p>
+            <a:pPr algn="ctr"/>
+            <a:endParaRPr lang="zh-TW" altLang="en-US"/>
+          </a:p>
+        </p:txBody>
+      </p:sp>
+      <p:sp>
+        <p:nvSpPr>
+          <p:cNvPr id="4" name="橢圓 3">
+            <a:extLst>
+              <a:ext uri="{FF2B5EF4-FFF2-40B4-BE49-F238E27FC236}">
+                <a16:creationId xmlns:a16="http://schemas.microsoft.com/office/drawing/2014/main" id="{12A88DB7-2855-4A11-E5C3-582594A0F562}"/>
+              </a:ext>
+            </a:extLst>
+          </p:cNvPr>
+          <p:cNvSpPr/>
+          <p:nvPr/>
+        </p:nvSpPr>
+        <p:spPr>
+          <a:xfrm>
+            <a:off x="7849565" y="4765623"/>
+            <a:ext cx="304800" cy="304800"/>
+          </a:xfrm>
+          <a:prstGeom prst="ellipse">
+            <a:avLst/>
+          </a:prstGeom>
+          <a:solidFill>
+            <a:schemeClr val="bg1"/>
+          </a:solidFill>
+          <a:ln>
+            <a:solidFill>
+              <a:schemeClr val="tx1"/>
+            </a:solidFill>
+          </a:ln>
+        </p:spPr>
+        <p:style>
+          <a:lnRef idx="2">
+            <a:schemeClr val="accent1">
+              <a:shade val="15000"/>
+            </a:schemeClr>
+          </a:lnRef>
+          <a:fillRef idx="1">
+            <a:schemeClr val="accent1"/>
+          </a:fillRef>
+          <a:effectRef idx="0">
+            <a:schemeClr val="accent1"/>
+          </a:effectRef>
+          <a:fontRef idx="minor">
+            <a:schemeClr val="lt1"/>
+          </a:fontRef>
+        </p:style>
+        <p:txBody>
+          <a:bodyPr rtlCol="0" anchor="ctr"/>
+          <a:lstStyle/>
+          <a:p>
+            <a:pPr algn="ctr"/>
+            <a:r>
+              <a:rPr lang="en-US" altLang="zh-TW" dirty="0">
+                <a:solidFill>
+                  <a:schemeClr val="tx1"/>
+                </a:solidFill>
+              </a:rPr>
+              <a:t>4</a:t>
+            </a:r>
+            <a:endParaRPr lang="zh-TW" altLang="en-US" dirty="0">
+              <a:solidFill>
+                <a:schemeClr val="tx1"/>
+              </a:solidFill>
+            </a:endParaRPr>
           </a:p>
         </p:txBody>
       </p:sp>
@@ -7048,6 +6765,576 @@
     <p:extLst>
       <p:ext uri="{BB962C8B-B14F-4D97-AF65-F5344CB8AC3E}">
         <p14:creationId xmlns:p14="http://schemas.microsoft.com/office/powerpoint/2010/main" val="1112412633"/>
+      </p:ext>
+    </p:extLst>
+  </p:cSld>
+  <p:clrMapOvr>
+    <a:masterClrMapping/>
+  </p:clrMapOvr>
+</p:sld>
+</file>
+
+<file path=ppt/slides/slide7.xml><?xml version="1.0" encoding="utf-8"?>
+<p:sld xmlns:a="http://schemas.openxmlformats.org/drawingml/2006/main" xmlns:r="http://schemas.openxmlformats.org/officeDocument/2006/relationships" xmlns:p="http://schemas.openxmlformats.org/presentationml/2006/main">
+  <p:cSld>
+    <p:spTree>
+      <p:nvGrpSpPr>
+        <p:cNvPr id="1" name=""/>
+        <p:cNvGrpSpPr/>
+        <p:nvPr/>
+      </p:nvGrpSpPr>
+      <p:grpSpPr>
+        <a:xfrm>
+          <a:off x="0" y="0"/>
+          <a:ext cx="0" cy="0"/>
+          <a:chOff x="0" y="0"/>
+          <a:chExt cx="0" cy="0"/>
+        </a:xfrm>
+      </p:grpSpPr>
+      <p:sp>
+        <p:nvSpPr>
+          <p:cNvPr id="2" name="標題 1">
+            <a:extLst>
+              <a:ext uri="{FF2B5EF4-FFF2-40B4-BE49-F238E27FC236}">
+                <a16:creationId xmlns:a16="http://schemas.microsoft.com/office/drawing/2014/main" id="{877C5FF0-E9A0-C3E6-CE4A-499CFE3D22BE}"/>
+              </a:ext>
+            </a:extLst>
+          </p:cNvPr>
+          <p:cNvSpPr>
+            <a:spLocks noGrp="1"/>
+          </p:cNvSpPr>
+          <p:nvPr>
+            <p:ph type="title"/>
+          </p:nvPr>
+        </p:nvSpPr>
+        <p:spPr/>
+        <p:txBody>
+          <a:bodyPr/>
+          <a:lstStyle/>
+          <a:p>
+            <a:r>
+              <a:rPr lang="zh-TW" altLang="en-US" dirty="0"/>
+              <a:t>匯出</a:t>
+            </a:r>
+            <a:r>
+              <a:rPr lang="en-US" altLang="zh-TW" dirty="0"/>
+              <a:t>.</a:t>
+            </a:r>
+            <a:r>
+              <a:rPr lang="en-US" altLang="zh-TW" dirty="0" err="1"/>
+              <a:t>inp</a:t>
+            </a:r>
+            <a:r>
+              <a:rPr lang="zh-TW" altLang="en-US" dirty="0"/>
+              <a:t>及</a:t>
+            </a:r>
+            <a:r>
+              <a:rPr lang="en-US" altLang="zh-TW" dirty="0"/>
+              <a:t>.</a:t>
+            </a:r>
+            <a:r>
+              <a:rPr lang="en-US" altLang="zh-TW" dirty="0" err="1"/>
+              <a:t>rpt</a:t>
+            </a:r>
+            <a:r>
+              <a:rPr lang="zh-TW" altLang="en-US" dirty="0"/>
+              <a:t>檔</a:t>
+            </a:r>
+          </a:p>
+        </p:txBody>
+      </p:sp>
+      <p:pic>
+        <p:nvPicPr>
+          <p:cNvPr id="7" name="圖片 6">
+            <a:extLst>
+              <a:ext uri="{FF2B5EF4-FFF2-40B4-BE49-F238E27FC236}">
+                <a16:creationId xmlns:a16="http://schemas.microsoft.com/office/drawing/2014/main" id="{AB95FB60-1687-F0FF-2617-8A2FE49CD9F1}"/>
+              </a:ext>
+            </a:extLst>
+          </p:cNvPr>
+          <p:cNvPicPr>
+            <a:picLocks noChangeAspect="1"/>
+          </p:cNvPicPr>
+          <p:nvPr/>
+        </p:nvPicPr>
+        <p:blipFill>
+          <a:blip r:embed="rId2"/>
+          <a:stretch>
+            <a:fillRect/>
+          </a:stretch>
+        </p:blipFill>
+        <p:spPr>
+          <a:xfrm>
+            <a:off x="325058" y="1880183"/>
+            <a:ext cx="3602738" cy="3600000"/>
+          </a:xfrm>
+          <a:prstGeom prst="rect">
+            <a:avLst/>
+          </a:prstGeom>
+        </p:spPr>
+      </p:pic>
+      <p:pic>
+        <p:nvPicPr>
+          <p:cNvPr id="8" name="圖片 7">
+            <a:extLst>
+              <a:ext uri="{FF2B5EF4-FFF2-40B4-BE49-F238E27FC236}">
+                <a16:creationId xmlns:a16="http://schemas.microsoft.com/office/drawing/2014/main" id="{F1362564-1DE4-FDDE-F39A-FC67DD112A32}"/>
+              </a:ext>
+            </a:extLst>
+          </p:cNvPr>
+          <p:cNvPicPr>
+            <a:picLocks noChangeAspect="1"/>
+          </p:cNvPicPr>
+          <p:nvPr/>
+        </p:nvPicPr>
+        <p:blipFill>
+          <a:blip r:embed="rId3"/>
+          <a:stretch>
+            <a:fillRect/>
+          </a:stretch>
+        </p:blipFill>
+        <p:spPr>
+          <a:xfrm>
+            <a:off x="4294631" y="1880183"/>
+            <a:ext cx="3602738" cy="3600000"/>
+          </a:xfrm>
+          <a:prstGeom prst="rect">
+            <a:avLst/>
+          </a:prstGeom>
+        </p:spPr>
+      </p:pic>
+      <p:pic>
+        <p:nvPicPr>
+          <p:cNvPr id="9" name="圖片 8">
+            <a:extLst>
+              <a:ext uri="{FF2B5EF4-FFF2-40B4-BE49-F238E27FC236}">
+                <a16:creationId xmlns:a16="http://schemas.microsoft.com/office/drawing/2014/main" id="{8508B7CD-5913-937C-F3A1-B2606F4AFE92}"/>
+              </a:ext>
+            </a:extLst>
+          </p:cNvPr>
+          <p:cNvPicPr>
+            <a:picLocks noChangeAspect="1"/>
+          </p:cNvPicPr>
+          <p:nvPr/>
+        </p:nvPicPr>
+        <p:blipFill>
+          <a:blip r:embed="rId4"/>
+          <a:stretch>
+            <a:fillRect/>
+          </a:stretch>
+        </p:blipFill>
+        <p:spPr>
+          <a:xfrm>
+            <a:off x="8264204" y="1880183"/>
+            <a:ext cx="3602738" cy="3600000"/>
+          </a:xfrm>
+          <a:prstGeom prst="rect">
+            <a:avLst/>
+          </a:prstGeom>
+        </p:spPr>
+      </p:pic>
+      <p:sp>
+        <p:nvSpPr>
+          <p:cNvPr id="11" name="文字方塊 10">
+            <a:extLst>
+              <a:ext uri="{FF2B5EF4-FFF2-40B4-BE49-F238E27FC236}">
+                <a16:creationId xmlns:a16="http://schemas.microsoft.com/office/drawing/2014/main" id="{779B9444-E1DD-C7D0-3BEE-093AC44E7C82}"/>
+              </a:ext>
+            </a:extLst>
+          </p:cNvPr>
+          <p:cNvSpPr txBox="1"/>
+          <p:nvPr/>
+        </p:nvSpPr>
+        <p:spPr>
+          <a:xfrm>
+            <a:off x="1059627" y="5503180"/>
+            <a:ext cx="2133600" cy="523220"/>
+          </a:xfrm>
+          <a:prstGeom prst="rect">
+            <a:avLst/>
+          </a:prstGeom>
+          <a:noFill/>
+        </p:spPr>
+        <p:txBody>
+          <a:bodyPr wrap="square" rtlCol="0">
+            <a:spAutoFit/>
+          </a:bodyPr>
+          <a:lstStyle/>
+          <a:p>
+            <a:r>
+              <a:rPr lang="en-US" altLang="zh-TW" sz="1400" dirty="0"/>
+              <a:t>File – Export –Network</a:t>
+            </a:r>
+          </a:p>
+          <a:p>
+            <a:r>
+              <a:rPr lang="zh-TW" altLang="en-US" sz="1400" dirty="0"/>
+              <a:t>匯出</a:t>
+            </a:r>
+            <a:r>
+              <a:rPr lang="en-US" altLang="zh-TW" sz="1400" dirty="0" err="1"/>
+              <a:t>inp</a:t>
+            </a:r>
+            <a:r>
+              <a:rPr lang="zh-TW" altLang="en-US" sz="1400" dirty="0"/>
+              <a:t>檔</a:t>
+            </a:r>
+          </a:p>
+        </p:txBody>
+      </p:sp>
+      <p:sp>
+        <p:nvSpPr>
+          <p:cNvPr id="12" name="文字方塊 11">
+            <a:extLst>
+              <a:ext uri="{FF2B5EF4-FFF2-40B4-BE49-F238E27FC236}">
+                <a16:creationId xmlns:a16="http://schemas.microsoft.com/office/drawing/2014/main" id="{E06CE6CB-66D1-9F94-FBD6-91F2ED0B6868}"/>
+              </a:ext>
+            </a:extLst>
+          </p:cNvPr>
+          <p:cNvSpPr txBox="1"/>
+          <p:nvPr/>
+        </p:nvSpPr>
+        <p:spPr>
+          <a:xfrm>
+            <a:off x="5029200" y="5503180"/>
+            <a:ext cx="2133600" cy="307777"/>
+          </a:xfrm>
+          <a:prstGeom prst="rect">
+            <a:avLst/>
+          </a:prstGeom>
+          <a:noFill/>
+        </p:spPr>
+        <p:txBody>
+          <a:bodyPr wrap="square" rtlCol="0">
+            <a:spAutoFit/>
+          </a:bodyPr>
+          <a:lstStyle/>
+          <a:p>
+            <a:r>
+              <a:rPr lang="zh-TW" altLang="en-US" sz="1400" dirty="0"/>
+              <a:t>執行分析功能</a:t>
+            </a:r>
+          </a:p>
+        </p:txBody>
+      </p:sp>
+      <p:sp>
+        <p:nvSpPr>
+          <p:cNvPr id="13" name="文字方塊 12">
+            <a:extLst>
+              <a:ext uri="{FF2B5EF4-FFF2-40B4-BE49-F238E27FC236}">
+                <a16:creationId xmlns:a16="http://schemas.microsoft.com/office/drawing/2014/main" id="{44225B50-9804-3E50-A150-2857BEB0BB61}"/>
+              </a:ext>
+            </a:extLst>
+          </p:cNvPr>
+          <p:cNvSpPr txBox="1"/>
+          <p:nvPr/>
+        </p:nvSpPr>
+        <p:spPr>
+          <a:xfrm>
+            <a:off x="8998773" y="5503180"/>
+            <a:ext cx="2133600" cy="523220"/>
+          </a:xfrm>
+          <a:prstGeom prst="rect">
+            <a:avLst/>
+          </a:prstGeom>
+          <a:noFill/>
+        </p:spPr>
+        <p:txBody>
+          <a:bodyPr wrap="square" rtlCol="0">
+            <a:spAutoFit/>
+          </a:bodyPr>
+          <a:lstStyle/>
+          <a:p>
+            <a:r>
+              <a:rPr lang="en-US" altLang="zh-TW" sz="1400" dirty="0"/>
+              <a:t>Report – Full</a:t>
+            </a:r>
+          </a:p>
+          <a:p>
+            <a:r>
+              <a:rPr lang="zh-TW" altLang="en-US" sz="1400" dirty="0"/>
+              <a:t>匯出</a:t>
+            </a:r>
+            <a:r>
+              <a:rPr lang="en-US" altLang="zh-TW" sz="1400" dirty="0" err="1"/>
+              <a:t>rpt</a:t>
+            </a:r>
+            <a:r>
+              <a:rPr lang="zh-TW" altLang="en-US" sz="1400" dirty="0"/>
+              <a:t>檔</a:t>
+            </a:r>
+          </a:p>
+        </p:txBody>
+      </p:sp>
+      <p:sp>
+        <p:nvSpPr>
+          <p:cNvPr id="14" name="矩形 13">
+            <a:extLst>
+              <a:ext uri="{FF2B5EF4-FFF2-40B4-BE49-F238E27FC236}">
+                <a16:creationId xmlns:a16="http://schemas.microsoft.com/office/drawing/2014/main" id="{476D0D8B-5885-E6BA-4938-257F15F87C5B}"/>
+              </a:ext>
+            </a:extLst>
+          </p:cNvPr>
+          <p:cNvSpPr/>
+          <p:nvPr/>
+        </p:nvSpPr>
+        <p:spPr>
+          <a:xfrm>
+            <a:off x="4701978" y="2189889"/>
+            <a:ext cx="252000" cy="252000"/>
+          </a:xfrm>
+          <a:prstGeom prst="rect">
+            <a:avLst/>
+          </a:prstGeom>
+          <a:noFill/>
+          <a:ln w="28575">
+            <a:solidFill>
+              <a:srgbClr val="FF0000"/>
+            </a:solidFill>
+          </a:ln>
+        </p:spPr>
+        <p:style>
+          <a:lnRef idx="2">
+            <a:schemeClr val="accent1">
+              <a:shade val="15000"/>
+            </a:schemeClr>
+          </a:lnRef>
+          <a:fillRef idx="1">
+            <a:schemeClr val="accent1"/>
+          </a:fillRef>
+          <a:effectRef idx="0">
+            <a:schemeClr val="accent1"/>
+          </a:effectRef>
+          <a:fontRef idx="minor">
+            <a:schemeClr val="lt1"/>
+          </a:fontRef>
+        </p:style>
+        <p:txBody>
+          <a:bodyPr rtlCol="0" anchor="ctr"/>
+          <a:lstStyle/>
+          <a:p>
+            <a:pPr algn="ctr"/>
+            <a:endParaRPr lang="zh-TW" altLang="en-US"/>
+          </a:p>
+        </p:txBody>
+      </p:sp>
+      <p:sp>
+        <p:nvSpPr>
+          <p:cNvPr id="15" name="橢圓 14">
+            <a:extLst>
+              <a:ext uri="{FF2B5EF4-FFF2-40B4-BE49-F238E27FC236}">
+                <a16:creationId xmlns:a16="http://schemas.microsoft.com/office/drawing/2014/main" id="{51DD68A4-0EF4-8AB8-E4F6-7B4C8FE4BC4E}"/>
+              </a:ext>
+            </a:extLst>
+          </p:cNvPr>
+          <p:cNvSpPr/>
+          <p:nvPr/>
+        </p:nvSpPr>
+        <p:spPr>
+          <a:xfrm>
+            <a:off x="4974298" y="1880183"/>
+            <a:ext cx="304800" cy="304800"/>
+          </a:xfrm>
+          <a:prstGeom prst="ellipse">
+            <a:avLst/>
+          </a:prstGeom>
+          <a:solidFill>
+            <a:schemeClr val="bg1"/>
+          </a:solidFill>
+          <a:ln>
+            <a:solidFill>
+              <a:schemeClr val="tx1"/>
+            </a:solidFill>
+          </a:ln>
+        </p:spPr>
+        <p:style>
+          <a:lnRef idx="2">
+            <a:schemeClr val="accent1">
+              <a:shade val="15000"/>
+            </a:schemeClr>
+          </a:lnRef>
+          <a:fillRef idx="1">
+            <a:schemeClr val="accent1"/>
+          </a:fillRef>
+          <a:effectRef idx="0">
+            <a:schemeClr val="accent1"/>
+          </a:effectRef>
+          <a:fontRef idx="minor">
+            <a:schemeClr val="lt1"/>
+          </a:fontRef>
+        </p:style>
+        <p:txBody>
+          <a:bodyPr rtlCol="0" anchor="ctr"/>
+          <a:lstStyle/>
+          <a:p>
+            <a:pPr algn="ctr"/>
+            <a:r>
+              <a:rPr lang="en-US" altLang="zh-TW" dirty="0">
+                <a:solidFill>
+                  <a:schemeClr val="tx1"/>
+                </a:solidFill>
+              </a:rPr>
+              <a:t>1</a:t>
+            </a:r>
+            <a:endParaRPr lang="zh-TW" altLang="en-US" dirty="0">
+              <a:solidFill>
+                <a:schemeClr val="tx1"/>
+              </a:solidFill>
+            </a:endParaRPr>
+          </a:p>
+        </p:txBody>
+      </p:sp>
+      <p:sp>
+        <p:nvSpPr>
+          <p:cNvPr id="16" name="矩形 15">
+            <a:extLst>
+              <a:ext uri="{FF2B5EF4-FFF2-40B4-BE49-F238E27FC236}">
+                <a16:creationId xmlns:a16="http://schemas.microsoft.com/office/drawing/2014/main" id="{EF4B042C-3729-53F6-B3C5-3AFCD2F60326}"/>
+              </a:ext>
+            </a:extLst>
+          </p:cNvPr>
+          <p:cNvSpPr/>
+          <p:nvPr/>
+        </p:nvSpPr>
+        <p:spPr>
+          <a:xfrm>
+            <a:off x="5729679" y="3448503"/>
+            <a:ext cx="651362" cy="252000"/>
+          </a:xfrm>
+          <a:prstGeom prst="rect">
+            <a:avLst/>
+          </a:prstGeom>
+          <a:noFill/>
+          <a:ln w="28575">
+            <a:solidFill>
+              <a:srgbClr val="FF0000"/>
+            </a:solidFill>
+          </a:ln>
+        </p:spPr>
+        <p:style>
+          <a:lnRef idx="2">
+            <a:schemeClr val="accent1">
+              <a:shade val="15000"/>
+            </a:schemeClr>
+          </a:lnRef>
+          <a:fillRef idx="1">
+            <a:schemeClr val="accent1"/>
+          </a:fillRef>
+          <a:effectRef idx="0">
+            <a:schemeClr val="accent1"/>
+          </a:effectRef>
+          <a:fontRef idx="minor">
+            <a:schemeClr val="lt1"/>
+          </a:fontRef>
+        </p:style>
+        <p:txBody>
+          <a:bodyPr rtlCol="0" anchor="ctr"/>
+          <a:lstStyle/>
+          <a:p>
+            <a:pPr algn="ctr"/>
+            <a:endParaRPr lang="zh-TW" altLang="en-US"/>
+          </a:p>
+        </p:txBody>
+      </p:sp>
+      <p:sp>
+        <p:nvSpPr>
+          <p:cNvPr id="17" name="橢圓 16">
+            <a:extLst>
+              <a:ext uri="{FF2B5EF4-FFF2-40B4-BE49-F238E27FC236}">
+                <a16:creationId xmlns:a16="http://schemas.microsoft.com/office/drawing/2014/main" id="{B27C4A7E-3AFC-E587-AA81-E9D6DF4970C4}"/>
+              </a:ext>
+            </a:extLst>
+          </p:cNvPr>
+          <p:cNvSpPr/>
+          <p:nvPr/>
+        </p:nvSpPr>
+        <p:spPr>
+          <a:xfrm>
+            <a:off x="6360721" y="3672286"/>
+            <a:ext cx="304800" cy="304800"/>
+          </a:xfrm>
+          <a:prstGeom prst="ellipse">
+            <a:avLst/>
+          </a:prstGeom>
+          <a:solidFill>
+            <a:schemeClr val="bg1"/>
+          </a:solidFill>
+          <a:ln>
+            <a:solidFill>
+              <a:schemeClr val="tx1"/>
+            </a:solidFill>
+          </a:ln>
+        </p:spPr>
+        <p:style>
+          <a:lnRef idx="2">
+            <a:schemeClr val="accent1">
+              <a:shade val="15000"/>
+            </a:schemeClr>
+          </a:lnRef>
+          <a:fillRef idx="1">
+            <a:schemeClr val="accent1"/>
+          </a:fillRef>
+          <a:effectRef idx="0">
+            <a:schemeClr val="accent1"/>
+          </a:effectRef>
+          <a:fontRef idx="minor">
+            <a:schemeClr val="lt1"/>
+          </a:fontRef>
+        </p:style>
+        <p:txBody>
+          <a:bodyPr rtlCol="0" anchor="ctr"/>
+          <a:lstStyle/>
+          <a:p>
+            <a:pPr algn="ctr"/>
+            <a:r>
+              <a:rPr lang="en-US" altLang="zh-TW" dirty="0">
+                <a:solidFill>
+                  <a:schemeClr val="tx1"/>
+                </a:solidFill>
+              </a:rPr>
+              <a:t>2</a:t>
+            </a:r>
+            <a:endParaRPr lang="zh-TW" altLang="en-US" dirty="0">
+              <a:solidFill>
+                <a:schemeClr val="tx1"/>
+              </a:solidFill>
+            </a:endParaRPr>
+          </a:p>
+        </p:txBody>
+      </p:sp>
+      <p:sp>
+        <p:nvSpPr>
+          <p:cNvPr id="3" name="投影片編號版面配置區 2">
+            <a:extLst>
+              <a:ext uri="{FF2B5EF4-FFF2-40B4-BE49-F238E27FC236}">
+                <a16:creationId xmlns:a16="http://schemas.microsoft.com/office/drawing/2014/main" id="{CB91772A-7CB7-1DDA-7DF4-F52C0488CB7C}"/>
+              </a:ext>
+            </a:extLst>
+          </p:cNvPr>
+          <p:cNvSpPr>
+            <a:spLocks noGrp="1"/>
+          </p:cNvSpPr>
+          <p:nvPr>
+            <p:ph type="sldNum" sz="quarter" idx="12"/>
+          </p:nvPr>
+        </p:nvSpPr>
+        <p:spPr/>
+        <p:txBody>
+          <a:bodyPr/>
+          <a:lstStyle/>
+          <a:p>
+            <a:fld id="{10FD45D0-0A3B-49B7-B6F5-CED80D8EC01B}" type="slidenum">
+              <a:rPr lang="zh-TW" altLang="en-US" smtClean="0"/>
+              <a:t>7</a:t>
+            </a:fld>
+            <a:endParaRPr lang="zh-TW" altLang="en-US"/>
+          </a:p>
+        </p:txBody>
+      </p:sp>
+    </p:spTree>
+    <p:extLst>
+      <p:ext uri="{BB962C8B-B14F-4D97-AF65-F5344CB8AC3E}">
+        <p14:creationId xmlns:p14="http://schemas.microsoft.com/office/powerpoint/2010/main" val="1662439514"/>
       </p:ext>
     </p:extLst>
   </p:cSld>

--- a/程式說明.pptx
+++ b/程式說明.pptx
@@ -5,7 +5,7 @@
     <p:sldMasterId id="2147483660" r:id="rId1"/>
   </p:sldMasterIdLst>
   <p:notesMasterIdLst>
-    <p:notesMasterId r:id="rId10"/>
+    <p:notesMasterId r:id="rId11"/>
   </p:notesMasterIdLst>
   <p:sldIdLst>
     <p:sldId id="266" r:id="rId2"/>
@@ -13,9 +13,10 @@
     <p:sldId id="265" r:id="rId4"/>
     <p:sldId id="267" r:id="rId5"/>
     <p:sldId id="271" r:id="rId6"/>
-    <p:sldId id="269" r:id="rId7"/>
-    <p:sldId id="268" r:id="rId8"/>
-    <p:sldId id="270" r:id="rId9"/>
+    <p:sldId id="273" r:id="rId7"/>
+    <p:sldId id="269" r:id="rId8"/>
+    <p:sldId id="268" r:id="rId9"/>
+    <p:sldId id="270" r:id="rId10"/>
   </p:sldIdLst>
   <p:sldSz cx="12192000" cy="6858000"/>
   <p:notesSz cx="6858000" cy="9144000"/>
@@ -204,7 +205,7 @@
           <a:p>
             <a:fld id="{39639EA0-793B-4196-8BEE-7FA2A6EC5748}" type="datetimeFigureOut">
               <a:rPr lang="zh-TW" altLang="en-US" smtClean="0"/>
-              <a:t>2024/12/8</a:t>
+              <a:t>2024/12/9</a:t>
             </a:fld>
             <a:endParaRPr lang="zh-TW" altLang="en-US"/>
           </a:p>
@@ -697,7 +698,7 @@
           <a:p>
             <a:fld id="{1B847706-CAE0-40F8-B7DA-97DAEB5B8D68}" type="datetime1">
               <a:rPr lang="zh-TW" altLang="en-US" smtClean="0"/>
-              <a:t>2024/12/8</a:t>
+              <a:t>2024/12/9</a:t>
             </a:fld>
             <a:endParaRPr lang="zh-TW" altLang="en-US"/>
           </a:p>
@@ -905,7 +906,7 @@
           <a:p>
             <a:fld id="{588A086D-73FE-4D5F-B83D-4BD8240E6654}" type="datetime1">
               <a:rPr lang="zh-TW" altLang="en-US" smtClean="0"/>
-              <a:t>2024/12/8</a:t>
+              <a:t>2024/12/9</a:t>
             </a:fld>
             <a:endParaRPr lang="zh-TW" altLang="en-US"/>
           </a:p>
@@ -1161,7 +1162,7 @@
           <a:p>
             <a:fld id="{879955E5-3CF7-4562-A3EE-DE458ECF8F3A}" type="datetime1">
               <a:rPr lang="zh-TW" altLang="en-US" smtClean="0"/>
-              <a:t>2024/12/8</a:t>
+              <a:t>2024/12/9</a:t>
             </a:fld>
             <a:endParaRPr lang="zh-TW" altLang="en-US"/>
           </a:p>
@@ -1335,7 +1336,7 @@
           <a:p>
             <a:fld id="{362411B8-C98C-4582-9320-D48930EFBB71}" type="datetime1">
               <a:rPr lang="zh-TW" altLang="en-US" smtClean="0"/>
-              <a:t>2024/12/8</a:t>
+              <a:t>2024/12/9</a:t>
             </a:fld>
             <a:endParaRPr lang="zh-TW" altLang="en-US"/>
           </a:p>
@@ -1678,7 +1679,7 @@
           <a:p>
             <a:fld id="{F5A58E29-0E89-4255-A3EF-68AFB803B9D2}" type="datetime1">
               <a:rPr lang="zh-TW" altLang="en-US" smtClean="0"/>
-              <a:t>2024/12/8</a:t>
+              <a:t>2024/12/9</a:t>
             </a:fld>
             <a:endParaRPr lang="zh-TW" altLang="en-US"/>
           </a:p>
@@ -1953,7 +1954,7 @@
           <a:p>
             <a:fld id="{D447F6C7-414A-44EC-9D09-CE04512BE249}" type="datetime1">
               <a:rPr lang="zh-TW" altLang="en-US" smtClean="0"/>
-              <a:t>2024/12/8</a:t>
+              <a:t>2024/12/9</a:t>
             </a:fld>
             <a:endParaRPr lang="zh-TW" altLang="en-US"/>
           </a:p>
@@ -2332,7 +2333,7 @@
           <a:p>
             <a:fld id="{AC987C84-D45D-427E-B0AA-774927F533AD}" type="datetime1">
               <a:rPr lang="zh-TW" altLang="en-US" smtClean="0"/>
-              <a:t>2024/12/8</a:t>
+              <a:t>2024/12/9</a:t>
             </a:fld>
             <a:endParaRPr lang="zh-TW" altLang="en-US"/>
           </a:p>
@@ -2450,7 +2451,7 @@
           <a:p>
             <a:fld id="{6DC2D2CD-94BB-4937-863D-DA1D5FCD065B}" type="datetime1">
               <a:rPr lang="zh-TW" altLang="en-US" smtClean="0"/>
-              <a:t>2024/12/8</a:t>
+              <a:t>2024/12/9</a:t>
             </a:fld>
             <a:endParaRPr lang="zh-TW" altLang="en-US"/>
           </a:p>
@@ -2621,7 +2622,7 @@
           <a:p>
             <a:fld id="{5BC6DDC9-AAB0-4EB5-9978-90E5DA6FF568}" type="datetime1">
               <a:rPr lang="zh-TW" altLang="en-US" smtClean="0"/>
-              <a:t>2024/12/8</a:t>
+              <a:t>2024/12/9</a:t>
             </a:fld>
             <a:endParaRPr lang="zh-TW" altLang="en-US"/>
           </a:p>
@@ -2975,7 +2976,7 @@
           <a:p>
             <a:fld id="{85CD4BF1-320A-4F92-B3F9-49AC2DDD8A9D}" type="datetime1">
               <a:rPr lang="zh-TW" altLang="en-US" smtClean="0"/>
-              <a:t>2024/12/8</a:t>
+              <a:t>2024/12/9</a:t>
             </a:fld>
             <a:endParaRPr lang="zh-TW" altLang="en-US"/>
           </a:p>
@@ -3357,7 +3358,7 @@
           <a:p>
             <a:fld id="{519C7D8C-B591-4A8C-AACE-A39F3E8C0AF2}" type="datetime1">
               <a:rPr lang="zh-TW" altLang="en-US" smtClean="0"/>
-              <a:t>2024/12/8</a:t>
+              <a:t>2024/12/9</a:t>
             </a:fld>
             <a:endParaRPr lang="zh-TW" altLang="en-US"/>
           </a:p>
@@ -3644,7 +3645,7 @@
           <a:p>
             <a:fld id="{8E406A93-4F5A-4736-840B-31D42A7D4C36}" type="datetime1">
               <a:rPr lang="zh-TW" altLang="en-US" smtClean="0"/>
-              <a:t>2024/12/8</a:t>
+              <a:t>2024/12/9</a:t>
             </a:fld>
             <a:endParaRPr lang="zh-TW" altLang="en-US"/>
           </a:p>
@@ -5291,10 +5292,10 @@
       </p:sp>
       <p:pic>
         <p:nvPicPr>
-          <p:cNvPr id="8" name="圖片 7">
+          <p:cNvPr id="5" name="內容版面配置區 4">
             <a:extLst>
               <a:ext uri="{FF2B5EF4-FFF2-40B4-BE49-F238E27FC236}">
-                <a16:creationId xmlns:a16="http://schemas.microsoft.com/office/drawing/2014/main" id="{427E5493-1038-46C0-47EA-1E09F9BD7A20}"/>
+                <a16:creationId xmlns:a16="http://schemas.microsoft.com/office/drawing/2014/main" id="{95CBC596-FDF7-8413-E306-FE2A61DEA7B3}"/>
               </a:ext>
             </a:extLst>
           </p:cNvPr>
@@ -5316,43 +5317,8 @@
         </p:blipFill>
         <p:spPr>
           <a:xfrm>
-            <a:off x="7726142" y="222039"/>
-            <a:ext cx="3960000" cy="2596933"/>
-          </a:xfrm>
-          <a:prstGeom prst="rect">
-            <a:avLst/>
-          </a:prstGeom>
-        </p:spPr>
-      </p:pic>
-      <p:pic>
-        <p:nvPicPr>
-          <p:cNvPr id="5" name="內容版面配置區 4">
-            <a:extLst>
-              <a:ext uri="{FF2B5EF4-FFF2-40B4-BE49-F238E27FC236}">
-                <a16:creationId xmlns:a16="http://schemas.microsoft.com/office/drawing/2014/main" id="{95CBC596-FDF7-8413-E306-FE2A61DEA7B3}"/>
-              </a:ext>
-            </a:extLst>
-          </p:cNvPr>
-          <p:cNvPicPr>
-            <a:picLocks noChangeAspect="1"/>
-          </p:cNvPicPr>
-          <p:nvPr/>
-        </p:nvPicPr>
-        <p:blipFill>
-          <a:blip r:embed="rId3">
-            <a:extLst>
-              <a:ext uri="{28A0092B-C50C-407E-A947-70E740481C1C}">
-                <a14:useLocalDpi xmlns:a14="http://schemas.microsoft.com/office/drawing/2010/main" val="0"/>
-              </a:ext>
-            </a:extLst>
-          </a:blip>
-          <a:srcRect/>
-          <a:stretch/>
-        </p:blipFill>
-        <p:spPr>
-          <a:xfrm>
-            <a:off x="7726143" y="2896242"/>
-            <a:ext cx="3959999" cy="3300660"/>
+            <a:off x="7532577" y="2896242"/>
+            <a:ext cx="3960000" cy="3300661"/>
           </a:xfrm>
           <a:prstGeom prst="rect">
             <a:avLst/>
@@ -5407,6 +5373,166 @@
       </p:sp>
       <p:sp>
         <p:nvSpPr>
+          <p:cNvPr id="10" name="文字方塊 9">
+            <a:extLst>
+              <a:ext uri="{FF2B5EF4-FFF2-40B4-BE49-F238E27FC236}">
+                <a16:creationId xmlns:a16="http://schemas.microsoft.com/office/drawing/2014/main" id="{3D4C8993-6D05-0547-0F71-3CCFE9DA4593}"/>
+              </a:ext>
+            </a:extLst>
+          </p:cNvPr>
+          <p:cNvSpPr txBox="1"/>
+          <p:nvPr/>
+        </p:nvSpPr>
+        <p:spPr>
+          <a:xfrm>
+            <a:off x="10151201" y="4680225"/>
+            <a:ext cx="1483360" cy="369332"/>
+          </a:xfrm>
+          <a:prstGeom prst="rect">
+            <a:avLst/>
+          </a:prstGeom>
+          <a:noFill/>
+          <a:ln>
+            <a:solidFill>
+              <a:schemeClr val="tx1"/>
+            </a:solidFill>
+          </a:ln>
+        </p:spPr>
+        <p:txBody>
+          <a:bodyPr wrap="square" rtlCol="0">
+            <a:spAutoFit/>
+          </a:bodyPr>
+          <a:lstStyle/>
+          <a:p>
+            <a:pPr algn="ctr"/>
+            <a:r>
+              <a:rPr lang="zh-TW" altLang="en-US" dirty="0"/>
+              <a:t>本程式成果</a:t>
+            </a:r>
+          </a:p>
+        </p:txBody>
+      </p:sp>
+      <p:sp>
+        <p:nvSpPr>
+          <p:cNvPr id="3" name="投影片編號版面配置區 2">
+            <a:extLst>
+              <a:ext uri="{FF2B5EF4-FFF2-40B4-BE49-F238E27FC236}">
+                <a16:creationId xmlns:a16="http://schemas.microsoft.com/office/drawing/2014/main" id="{7E2E5876-525F-329C-6864-E8B5F77B6858}"/>
+              </a:ext>
+            </a:extLst>
+          </p:cNvPr>
+          <p:cNvSpPr>
+            <a:spLocks noGrp="1"/>
+          </p:cNvSpPr>
+          <p:nvPr>
+            <p:ph type="sldNum" sz="quarter" idx="12"/>
+          </p:nvPr>
+        </p:nvSpPr>
+        <p:spPr/>
+        <p:txBody>
+          <a:bodyPr/>
+          <a:lstStyle/>
+          <a:p>
+            <a:fld id="{10FD45D0-0A3B-49B7-B6F5-CED80D8EC01B}" type="slidenum">
+              <a:rPr lang="zh-TW" altLang="en-US" smtClean="0"/>
+              <a:t>4</a:t>
+            </a:fld>
+            <a:endParaRPr lang="zh-TW" altLang="en-US"/>
+          </a:p>
+        </p:txBody>
+      </p:sp>
+      <p:sp>
+        <p:nvSpPr>
+          <p:cNvPr id="4" name="文字方塊 3">
+            <a:extLst>
+              <a:ext uri="{FF2B5EF4-FFF2-40B4-BE49-F238E27FC236}">
+                <a16:creationId xmlns:a16="http://schemas.microsoft.com/office/drawing/2014/main" id="{C36986D1-BAC7-82E0-05B4-B0DDD9675C5D}"/>
+              </a:ext>
+            </a:extLst>
+          </p:cNvPr>
+          <p:cNvSpPr txBox="1"/>
+          <p:nvPr/>
+        </p:nvSpPr>
+        <p:spPr>
+          <a:xfrm>
+            <a:off x="314960" y="5949538"/>
+            <a:ext cx="6248400" cy="276999"/>
+          </a:xfrm>
+          <a:prstGeom prst="rect">
+            <a:avLst/>
+          </a:prstGeom>
+          <a:noFill/>
+        </p:spPr>
+        <p:txBody>
+          <a:bodyPr wrap="square" rtlCol="0">
+            <a:spAutoFit/>
+          </a:bodyPr>
+          <a:lstStyle/>
+          <a:p>
+            <a:r>
+              <a:rPr lang="en-US" altLang="zh-TW" sz="1200" dirty="0"/>
+              <a:t>*</a:t>
+            </a:r>
+            <a:r>
+              <a:rPr lang="zh-TW" altLang="en-US" sz="1200" dirty="0"/>
+              <a:t>註</a:t>
+            </a:r>
+            <a:r>
+              <a:rPr lang="en-US" altLang="zh-TW" sz="1200" dirty="0"/>
+              <a:t>1</a:t>
+            </a:r>
+            <a:r>
+              <a:rPr lang="zh-TW" altLang="en-US" sz="1200" dirty="0"/>
+              <a:t>：全系統流量值</a:t>
+            </a:r>
+            <a:r>
+              <a:rPr lang="en-US" altLang="zh-TW" sz="1200" dirty="0"/>
+              <a:t>Q</a:t>
+            </a:r>
+            <a:r>
+              <a:rPr lang="zh-TW" altLang="en-US" sz="1200" dirty="0"/>
+              <a:t>為累計各節點</a:t>
+            </a:r>
+            <a:r>
+              <a:rPr lang="en-US" altLang="zh-TW" sz="1200" dirty="0"/>
+              <a:t>Demand</a:t>
+            </a:r>
+            <a:endParaRPr lang="zh-TW" altLang="en-US" sz="1200" dirty="0"/>
+          </a:p>
+        </p:txBody>
+      </p:sp>
+      <p:pic>
+        <p:nvPicPr>
+          <p:cNvPr id="12" name="圖片 11">
+            <a:extLst>
+              <a:ext uri="{FF2B5EF4-FFF2-40B4-BE49-F238E27FC236}">
+                <a16:creationId xmlns:a16="http://schemas.microsoft.com/office/drawing/2014/main" id="{301671B9-E896-1D1A-B5DD-092793A6F0F6}"/>
+              </a:ext>
+            </a:extLst>
+          </p:cNvPr>
+          <p:cNvPicPr>
+            <a:picLocks noChangeAspect="1"/>
+          </p:cNvPicPr>
+          <p:nvPr/>
+        </p:nvPicPr>
+        <p:blipFill>
+          <a:blip r:embed="rId3"/>
+          <a:stretch>
+            <a:fillRect/>
+          </a:stretch>
+        </p:blipFill>
+        <p:spPr>
+          <a:xfrm>
+            <a:off x="7532577" y="32214"/>
+            <a:ext cx="3960000" cy="2720314"/>
+          </a:xfrm>
+          <a:prstGeom prst="rect">
+            <a:avLst/>
+          </a:prstGeom>
+        </p:spPr>
+      </p:pic>
+      <p:sp>
+        <p:nvSpPr>
           <p:cNvPr id="9" name="文字方塊 8">
             <a:extLst>
               <a:ext uri="{FF2B5EF4-FFF2-40B4-BE49-F238E27FC236}">
@@ -5419,7 +5545,7 @@
         </p:nvSpPr>
         <p:spPr>
           <a:xfrm>
-            <a:off x="7838263" y="1889650"/>
+            <a:off x="9902881" y="1207705"/>
             <a:ext cx="1980001" cy="369332"/>
           </a:xfrm>
           <a:prstGeom prst="rect">
@@ -5447,136 +5573,6 @@
               <a:rPr lang="zh-TW" altLang="en-US" dirty="0"/>
               <a:t>建模內容</a:t>
             </a:r>
-          </a:p>
-        </p:txBody>
-      </p:sp>
-      <p:sp>
-        <p:nvSpPr>
-          <p:cNvPr id="10" name="文字方塊 9">
-            <a:extLst>
-              <a:ext uri="{FF2B5EF4-FFF2-40B4-BE49-F238E27FC236}">
-                <a16:creationId xmlns:a16="http://schemas.microsoft.com/office/drawing/2014/main" id="{3D4C8993-6D05-0547-0F71-3CCFE9DA4593}"/>
-              </a:ext>
-            </a:extLst>
-          </p:cNvPr>
-          <p:cNvSpPr txBox="1"/>
-          <p:nvPr/>
-        </p:nvSpPr>
-        <p:spPr>
-          <a:xfrm>
-            <a:off x="8086583" y="4891585"/>
-            <a:ext cx="1483360" cy="369332"/>
-          </a:xfrm>
-          <a:prstGeom prst="rect">
-            <a:avLst/>
-          </a:prstGeom>
-          <a:noFill/>
-          <a:ln>
-            <a:solidFill>
-              <a:schemeClr val="tx1"/>
-            </a:solidFill>
-          </a:ln>
-        </p:spPr>
-        <p:txBody>
-          <a:bodyPr wrap="square" rtlCol="0">
-            <a:spAutoFit/>
-          </a:bodyPr>
-          <a:lstStyle/>
-          <a:p>
-            <a:pPr algn="ctr"/>
-            <a:r>
-              <a:rPr lang="zh-TW" altLang="en-US" dirty="0"/>
-              <a:t>本程式成果</a:t>
-            </a:r>
-          </a:p>
-        </p:txBody>
-      </p:sp>
-      <p:sp>
-        <p:nvSpPr>
-          <p:cNvPr id="3" name="投影片編號版面配置區 2">
-            <a:extLst>
-              <a:ext uri="{FF2B5EF4-FFF2-40B4-BE49-F238E27FC236}">
-                <a16:creationId xmlns:a16="http://schemas.microsoft.com/office/drawing/2014/main" id="{7E2E5876-525F-329C-6864-E8B5F77B6858}"/>
-              </a:ext>
-            </a:extLst>
-          </p:cNvPr>
-          <p:cNvSpPr>
-            <a:spLocks noGrp="1"/>
-          </p:cNvSpPr>
-          <p:nvPr>
-            <p:ph type="sldNum" sz="quarter" idx="12"/>
-          </p:nvPr>
-        </p:nvSpPr>
-        <p:spPr/>
-        <p:txBody>
-          <a:bodyPr/>
-          <a:lstStyle/>
-          <a:p>
-            <a:fld id="{10FD45D0-0A3B-49B7-B6F5-CED80D8EC01B}" type="slidenum">
-              <a:rPr lang="zh-TW" altLang="en-US" smtClean="0"/>
-              <a:t>4</a:t>
-            </a:fld>
-            <a:endParaRPr lang="zh-TW" altLang="en-US"/>
-          </a:p>
-        </p:txBody>
-      </p:sp>
-      <p:sp>
-        <p:nvSpPr>
-          <p:cNvPr id="4" name="文字方塊 3">
-            <a:extLst>
-              <a:ext uri="{FF2B5EF4-FFF2-40B4-BE49-F238E27FC236}">
-                <a16:creationId xmlns:a16="http://schemas.microsoft.com/office/drawing/2014/main" id="{C36986D1-BAC7-82E0-05B4-B0DDD9675C5D}"/>
-              </a:ext>
-            </a:extLst>
-          </p:cNvPr>
-          <p:cNvSpPr txBox="1"/>
-          <p:nvPr/>
-        </p:nvSpPr>
-        <p:spPr>
-          <a:xfrm>
-            <a:off x="314960" y="5949538"/>
-            <a:ext cx="6248400" cy="276999"/>
-          </a:xfrm>
-          <a:prstGeom prst="rect">
-            <a:avLst/>
-          </a:prstGeom>
-          <a:noFill/>
-        </p:spPr>
-        <p:txBody>
-          <a:bodyPr wrap="square" rtlCol="0">
-            <a:spAutoFit/>
-          </a:bodyPr>
-          <a:lstStyle/>
-          <a:p>
-            <a:r>
-              <a:rPr lang="en-US" altLang="zh-TW" sz="1200" dirty="0"/>
-              <a:t>*</a:t>
-            </a:r>
-            <a:r>
-              <a:rPr lang="zh-TW" altLang="en-US" sz="1200" dirty="0"/>
-              <a:t>註</a:t>
-            </a:r>
-            <a:r>
-              <a:rPr lang="en-US" altLang="zh-TW" sz="1200" dirty="0"/>
-              <a:t>1</a:t>
-            </a:r>
-            <a:r>
-              <a:rPr lang="zh-TW" altLang="en-US" sz="1200" dirty="0"/>
-              <a:t>：全系統流量值</a:t>
-            </a:r>
-            <a:r>
-              <a:rPr lang="en-US" altLang="zh-TW" sz="1200" dirty="0"/>
-              <a:t>Q</a:t>
-            </a:r>
-            <a:r>
-              <a:rPr lang="zh-TW" altLang="en-US" sz="1200" dirty="0"/>
-              <a:t>為累計各節點</a:t>
-            </a:r>
-            <a:r>
-              <a:rPr lang="en-US" altLang="zh-TW" sz="1200" dirty="0"/>
-              <a:t>Demand</a:t>
-            </a:r>
-            <a:endParaRPr lang="zh-TW" altLang="en-US" sz="1200" dirty="0"/>
           </a:p>
         </p:txBody>
       </p:sp>
@@ -5690,7 +5686,7 @@
         <p:spPr>
           <a:xfrm>
             <a:off x="0" y="0"/>
-            <a:ext cx="792480" cy="461665"/>
+            <a:ext cx="1046480" cy="461665"/>
           </a:xfrm>
           <a:prstGeom prst="rect">
             <a:avLst/>
@@ -5707,6 +5703,11 @@
               <a:rPr lang="zh-TW" altLang="en-US" sz="2400" b="1" dirty="0"/>
               <a:t>範例</a:t>
             </a:r>
+            <a:r>
+              <a:rPr lang="en-US" altLang="zh-TW" sz="2400" b="1" dirty="0"/>
+              <a:t>1</a:t>
+            </a:r>
+            <a:endParaRPr lang="zh-TW" altLang="en-US" sz="2400" b="1" dirty="0"/>
           </a:p>
         </p:txBody>
       </p:sp>
@@ -5724,6 +5725,147 @@
 </file>
 
 <file path=ppt/slides/slide6.xml><?xml version="1.0" encoding="utf-8"?>
+<p:sld xmlns:a="http://schemas.openxmlformats.org/drawingml/2006/main" xmlns:r="http://schemas.openxmlformats.org/officeDocument/2006/relationships" xmlns:p="http://schemas.openxmlformats.org/presentationml/2006/main">
+  <p:cSld>
+    <p:spTree>
+      <p:nvGrpSpPr>
+        <p:cNvPr id="1" name="">
+          <a:extLst>
+            <a:ext uri="{FF2B5EF4-FFF2-40B4-BE49-F238E27FC236}">
+              <a16:creationId xmlns:a16="http://schemas.microsoft.com/office/drawing/2014/main" id="{70C8B8DF-B262-E159-858C-99949860EA84}"/>
+            </a:ext>
+          </a:extLst>
+        </p:cNvPr>
+        <p:cNvGrpSpPr/>
+        <p:nvPr/>
+      </p:nvGrpSpPr>
+      <p:grpSpPr>
+        <a:xfrm>
+          <a:off x="0" y="0"/>
+          <a:ext cx="0" cy="0"/>
+          <a:chOff x="0" y="0"/>
+          <a:chExt cx="0" cy="0"/>
+        </a:xfrm>
+      </p:grpSpPr>
+      <p:sp>
+        <p:nvSpPr>
+          <p:cNvPr id="5" name="投影片編號版面配置區 4">
+            <a:extLst>
+              <a:ext uri="{FF2B5EF4-FFF2-40B4-BE49-F238E27FC236}">
+                <a16:creationId xmlns:a16="http://schemas.microsoft.com/office/drawing/2014/main" id="{BE7EE380-238C-FEB0-96A8-C9AF11D7BF89}"/>
+              </a:ext>
+            </a:extLst>
+          </p:cNvPr>
+          <p:cNvSpPr>
+            <a:spLocks noGrp="1"/>
+          </p:cNvSpPr>
+          <p:nvPr>
+            <p:ph type="sldNum" sz="quarter" idx="12"/>
+          </p:nvPr>
+        </p:nvSpPr>
+        <p:spPr/>
+        <p:txBody>
+          <a:bodyPr/>
+          <a:lstStyle/>
+          <a:p>
+            <a:fld id="{10FD45D0-0A3B-49B7-B6F5-CED80D8EC01B}" type="slidenum">
+              <a:rPr lang="zh-TW" altLang="en-US" smtClean="0"/>
+              <a:t>6</a:t>
+            </a:fld>
+            <a:endParaRPr lang="zh-TW" altLang="en-US"/>
+          </a:p>
+        </p:txBody>
+      </p:sp>
+      <p:sp>
+        <p:nvSpPr>
+          <p:cNvPr id="2" name="文字方塊 1">
+            <a:extLst>
+              <a:ext uri="{FF2B5EF4-FFF2-40B4-BE49-F238E27FC236}">
+                <a16:creationId xmlns:a16="http://schemas.microsoft.com/office/drawing/2014/main" id="{795D2BE9-C1D2-1CEB-5CE0-BDF48288A92A}"/>
+              </a:ext>
+            </a:extLst>
+          </p:cNvPr>
+          <p:cNvSpPr txBox="1"/>
+          <p:nvPr/>
+        </p:nvSpPr>
+        <p:spPr>
+          <a:xfrm>
+            <a:off x="0" y="0"/>
+            <a:ext cx="1046480" cy="461665"/>
+          </a:xfrm>
+          <a:prstGeom prst="rect">
+            <a:avLst/>
+          </a:prstGeom>
+          <a:noFill/>
+        </p:spPr>
+        <p:txBody>
+          <a:bodyPr wrap="square" rtlCol="0">
+            <a:spAutoFit/>
+          </a:bodyPr>
+          <a:lstStyle/>
+          <a:p>
+            <a:r>
+              <a:rPr lang="zh-TW" altLang="en-US" sz="2400" b="1" dirty="0"/>
+              <a:t>範例</a:t>
+            </a:r>
+            <a:r>
+              <a:rPr lang="en-US" altLang="zh-TW" sz="2400" b="1" dirty="0"/>
+              <a:t>2</a:t>
+            </a:r>
+            <a:endParaRPr lang="zh-TW" altLang="en-US" sz="2400" b="1" dirty="0"/>
+          </a:p>
+        </p:txBody>
+      </p:sp>
+      <p:pic>
+        <p:nvPicPr>
+          <p:cNvPr id="7" name="圖片 6">
+            <a:extLst>
+              <a:ext uri="{FF2B5EF4-FFF2-40B4-BE49-F238E27FC236}">
+                <a16:creationId xmlns:a16="http://schemas.microsoft.com/office/drawing/2014/main" id="{75CF1BEE-388E-06AD-4197-E8522599A93C}"/>
+              </a:ext>
+            </a:extLst>
+          </p:cNvPr>
+          <p:cNvPicPr>
+            <a:picLocks noChangeAspect="1"/>
+          </p:cNvPicPr>
+          <p:nvPr/>
+        </p:nvPicPr>
+        <p:blipFill>
+          <a:blip r:embed="rId2">
+            <a:extLst>
+              <a:ext uri="{28A0092B-C50C-407E-A947-70E740481C1C}">
+                <a14:useLocalDpi xmlns:a14="http://schemas.microsoft.com/office/drawing/2010/main" val="0"/>
+              </a:ext>
+            </a:extLst>
+          </a:blip>
+          <a:stretch>
+            <a:fillRect/>
+          </a:stretch>
+        </p:blipFill>
+        <p:spPr>
+          <a:xfrm>
+            <a:off x="336000" y="744321"/>
+            <a:ext cx="11520000" cy="5073408"/>
+          </a:xfrm>
+          <a:prstGeom prst="rect">
+            <a:avLst/>
+          </a:prstGeom>
+        </p:spPr>
+      </p:pic>
+    </p:spTree>
+    <p:extLst>
+      <p:ext uri="{BB962C8B-B14F-4D97-AF65-F5344CB8AC3E}">
+        <p14:creationId xmlns:p14="http://schemas.microsoft.com/office/powerpoint/2010/main" val="814263725"/>
+      </p:ext>
+    </p:extLst>
+  </p:cSld>
+  <p:clrMapOvr>
+    <a:masterClrMapping/>
+  </p:clrMapOvr>
+</p:sld>
+</file>
+
+<file path=ppt/slides/slide7.xml><?xml version="1.0" encoding="utf-8"?>
 <p:sld xmlns:a="http://schemas.openxmlformats.org/drawingml/2006/main" xmlns:r="http://schemas.openxmlformats.org/officeDocument/2006/relationships" xmlns:p="http://schemas.openxmlformats.org/presentationml/2006/main">
   <p:cSld>
     <p:spTree>
@@ -6571,7 +6713,7 @@
           <a:p>
             <a:fld id="{10FD45D0-0A3B-49B7-B6F5-CED80D8EC01B}" type="slidenum">
               <a:rPr lang="zh-TW" altLang="en-US" smtClean="0"/>
-              <a:t>6</a:t>
+              <a:t>7</a:t>
             </a:fld>
             <a:endParaRPr lang="zh-TW" altLang="en-US"/>
           </a:p>
@@ -6765,576 +6907,6 @@
     <p:extLst>
       <p:ext uri="{BB962C8B-B14F-4D97-AF65-F5344CB8AC3E}">
         <p14:creationId xmlns:p14="http://schemas.microsoft.com/office/powerpoint/2010/main" val="1112412633"/>
-      </p:ext>
-    </p:extLst>
-  </p:cSld>
-  <p:clrMapOvr>
-    <a:masterClrMapping/>
-  </p:clrMapOvr>
-</p:sld>
-</file>
-
-<file path=ppt/slides/slide7.xml><?xml version="1.0" encoding="utf-8"?>
-<p:sld xmlns:a="http://schemas.openxmlformats.org/drawingml/2006/main" xmlns:r="http://schemas.openxmlformats.org/officeDocument/2006/relationships" xmlns:p="http://schemas.openxmlformats.org/presentationml/2006/main">
-  <p:cSld>
-    <p:spTree>
-      <p:nvGrpSpPr>
-        <p:cNvPr id="1" name=""/>
-        <p:cNvGrpSpPr/>
-        <p:nvPr/>
-      </p:nvGrpSpPr>
-      <p:grpSpPr>
-        <a:xfrm>
-          <a:off x="0" y="0"/>
-          <a:ext cx="0" cy="0"/>
-          <a:chOff x="0" y="0"/>
-          <a:chExt cx="0" cy="0"/>
-        </a:xfrm>
-      </p:grpSpPr>
-      <p:sp>
-        <p:nvSpPr>
-          <p:cNvPr id="2" name="標題 1">
-            <a:extLst>
-              <a:ext uri="{FF2B5EF4-FFF2-40B4-BE49-F238E27FC236}">
-                <a16:creationId xmlns:a16="http://schemas.microsoft.com/office/drawing/2014/main" id="{877C5FF0-E9A0-C3E6-CE4A-499CFE3D22BE}"/>
-              </a:ext>
-            </a:extLst>
-          </p:cNvPr>
-          <p:cNvSpPr>
-            <a:spLocks noGrp="1"/>
-          </p:cNvSpPr>
-          <p:nvPr>
-            <p:ph type="title"/>
-          </p:nvPr>
-        </p:nvSpPr>
-        <p:spPr/>
-        <p:txBody>
-          <a:bodyPr/>
-          <a:lstStyle/>
-          <a:p>
-            <a:r>
-              <a:rPr lang="zh-TW" altLang="en-US" dirty="0"/>
-              <a:t>匯出</a:t>
-            </a:r>
-            <a:r>
-              <a:rPr lang="en-US" altLang="zh-TW" dirty="0"/>
-              <a:t>.</a:t>
-            </a:r>
-            <a:r>
-              <a:rPr lang="en-US" altLang="zh-TW" dirty="0" err="1"/>
-              <a:t>inp</a:t>
-            </a:r>
-            <a:r>
-              <a:rPr lang="zh-TW" altLang="en-US" dirty="0"/>
-              <a:t>及</a:t>
-            </a:r>
-            <a:r>
-              <a:rPr lang="en-US" altLang="zh-TW" dirty="0"/>
-              <a:t>.</a:t>
-            </a:r>
-            <a:r>
-              <a:rPr lang="en-US" altLang="zh-TW" dirty="0" err="1"/>
-              <a:t>rpt</a:t>
-            </a:r>
-            <a:r>
-              <a:rPr lang="zh-TW" altLang="en-US" dirty="0"/>
-              <a:t>檔</a:t>
-            </a:r>
-          </a:p>
-        </p:txBody>
-      </p:sp>
-      <p:pic>
-        <p:nvPicPr>
-          <p:cNvPr id="7" name="圖片 6">
-            <a:extLst>
-              <a:ext uri="{FF2B5EF4-FFF2-40B4-BE49-F238E27FC236}">
-                <a16:creationId xmlns:a16="http://schemas.microsoft.com/office/drawing/2014/main" id="{AB95FB60-1687-F0FF-2617-8A2FE49CD9F1}"/>
-              </a:ext>
-            </a:extLst>
-          </p:cNvPr>
-          <p:cNvPicPr>
-            <a:picLocks noChangeAspect="1"/>
-          </p:cNvPicPr>
-          <p:nvPr/>
-        </p:nvPicPr>
-        <p:blipFill>
-          <a:blip r:embed="rId2"/>
-          <a:stretch>
-            <a:fillRect/>
-          </a:stretch>
-        </p:blipFill>
-        <p:spPr>
-          <a:xfrm>
-            <a:off x="325058" y="1880183"/>
-            <a:ext cx="3602738" cy="3600000"/>
-          </a:xfrm>
-          <a:prstGeom prst="rect">
-            <a:avLst/>
-          </a:prstGeom>
-        </p:spPr>
-      </p:pic>
-      <p:pic>
-        <p:nvPicPr>
-          <p:cNvPr id="8" name="圖片 7">
-            <a:extLst>
-              <a:ext uri="{FF2B5EF4-FFF2-40B4-BE49-F238E27FC236}">
-                <a16:creationId xmlns:a16="http://schemas.microsoft.com/office/drawing/2014/main" id="{F1362564-1DE4-FDDE-F39A-FC67DD112A32}"/>
-              </a:ext>
-            </a:extLst>
-          </p:cNvPr>
-          <p:cNvPicPr>
-            <a:picLocks noChangeAspect="1"/>
-          </p:cNvPicPr>
-          <p:nvPr/>
-        </p:nvPicPr>
-        <p:blipFill>
-          <a:blip r:embed="rId3"/>
-          <a:stretch>
-            <a:fillRect/>
-          </a:stretch>
-        </p:blipFill>
-        <p:spPr>
-          <a:xfrm>
-            <a:off x="4294631" y="1880183"/>
-            <a:ext cx="3602738" cy="3600000"/>
-          </a:xfrm>
-          <a:prstGeom prst="rect">
-            <a:avLst/>
-          </a:prstGeom>
-        </p:spPr>
-      </p:pic>
-      <p:pic>
-        <p:nvPicPr>
-          <p:cNvPr id="9" name="圖片 8">
-            <a:extLst>
-              <a:ext uri="{FF2B5EF4-FFF2-40B4-BE49-F238E27FC236}">
-                <a16:creationId xmlns:a16="http://schemas.microsoft.com/office/drawing/2014/main" id="{8508B7CD-5913-937C-F3A1-B2606F4AFE92}"/>
-              </a:ext>
-            </a:extLst>
-          </p:cNvPr>
-          <p:cNvPicPr>
-            <a:picLocks noChangeAspect="1"/>
-          </p:cNvPicPr>
-          <p:nvPr/>
-        </p:nvPicPr>
-        <p:blipFill>
-          <a:blip r:embed="rId4"/>
-          <a:stretch>
-            <a:fillRect/>
-          </a:stretch>
-        </p:blipFill>
-        <p:spPr>
-          <a:xfrm>
-            <a:off x="8264204" y="1880183"/>
-            <a:ext cx="3602738" cy="3600000"/>
-          </a:xfrm>
-          <a:prstGeom prst="rect">
-            <a:avLst/>
-          </a:prstGeom>
-        </p:spPr>
-      </p:pic>
-      <p:sp>
-        <p:nvSpPr>
-          <p:cNvPr id="11" name="文字方塊 10">
-            <a:extLst>
-              <a:ext uri="{FF2B5EF4-FFF2-40B4-BE49-F238E27FC236}">
-                <a16:creationId xmlns:a16="http://schemas.microsoft.com/office/drawing/2014/main" id="{779B9444-E1DD-C7D0-3BEE-093AC44E7C82}"/>
-              </a:ext>
-            </a:extLst>
-          </p:cNvPr>
-          <p:cNvSpPr txBox="1"/>
-          <p:nvPr/>
-        </p:nvSpPr>
-        <p:spPr>
-          <a:xfrm>
-            <a:off x="1059627" y="5503180"/>
-            <a:ext cx="2133600" cy="523220"/>
-          </a:xfrm>
-          <a:prstGeom prst="rect">
-            <a:avLst/>
-          </a:prstGeom>
-          <a:noFill/>
-        </p:spPr>
-        <p:txBody>
-          <a:bodyPr wrap="square" rtlCol="0">
-            <a:spAutoFit/>
-          </a:bodyPr>
-          <a:lstStyle/>
-          <a:p>
-            <a:r>
-              <a:rPr lang="en-US" altLang="zh-TW" sz="1400" dirty="0"/>
-              <a:t>File – Export –Network</a:t>
-            </a:r>
-          </a:p>
-          <a:p>
-            <a:r>
-              <a:rPr lang="zh-TW" altLang="en-US" sz="1400" dirty="0"/>
-              <a:t>匯出</a:t>
-            </a:r>
-            <a:r>
-              <a:rPr lang="en-US" altLang="zh-TW" sz="1400" dirty="0" err="1"/>
-              <a:t>inp</a:t>
-            </a:r>
-            <a:r>
-              <a:rPr lang="zh-TW" altLang="en-US" sz="1400" dirty="0"/>
-              <a:t>檔</a:t>
-            </a:r>
-          </a:p>
-        </p:txBody>
-      </p:sp>
-      <p:sp>
-        <p:nvSpPr>
-          <p:cNvPr id="12" name="文字方塊 11">
-            <a:extLst>
-              <a:ext uri="{FF2B5EF4-FFF2-40B4-BE49-F238E27FC236}">
-                <a16:creationId xmlns:a16="http://schemas.microsoft.com/office/drawing/2014/main" id="{E06CE6CB-66D1-9F94-FBD6-91F2ED0B6868}"/>
-              </a:ext>
-            </a:extLst>
-          </p:cNvPr>
-          <p:cNvSpPr txBox="1"/>
-          <p:nvPr/>
-        </p:nvSpPr>
-        <p:spPr>
-          <a:xfrm>
-            <a:off x="5029200" y="5503180"/>
-            <a:ext cx="2133600" cy="307777"/>
-          </a:xfrm>
-          <a:prstGeom prst="rect">
-            <a:avLst/>
-          </a:prstGeom>
-          <a:noFill/>
-        </p:spPr>
-        <p:txBody>
-          <a:bodyPr wrap="square" rtlCol="0">
-            <a:spAutoFit/>
-          </a:bodyPr>
-          <a:lstStyle/>
-          <a:p>
-            <a:r>
-              <a:rPr lang="zh-TW" altLang="en-US" sz="1400" dirty="0"/>
-              <a:t>執行分析功能</a:t>
-            </a:r>
-          </a:p>
-        </p:txBody>
-      </p:sp>
-      <p:sp>
-        <p:nvSpPr>
-          <p:cNvPr id="13" name="文字方塊 12">
-            <a:extLst>
-              <a:ext uri="{FF2B5EF4-FFF2-40B4-BE49-F238E27FC236}">
-                <a16:creationId xmlns:a16="http://schemas.microsoft.com/office/drawing/2014/main" id="{44225B50-9804-3E50-A150-2857BEB0BB61}"/>
-              </a:ext>
-            </a:extLst>
-          </p:cNvPr>
-          <p:cNvSpPr txBox="1"/>
-          <p:nvPr/>
-        </p:nvSpPr>
-        <p:spPr>
-          <a:xfrm>
-            <a:off x="8998773" y="5503180"/>
-            <a:ext cx="2133600" cy="523220"/>
-          </a:xfrm>
-          <a:prstGeom prst="rect">
-            <a:avLst/>
-          </a:prstGeom>
-          <a:noFill/>
-        </p:spPr>
-        <p:txBody>
-          <a:bodyPr wrap="square" rtlCol="0">
-            <a:spAutoFit/>
-          </a:bodyPr>
-          <a:lstStyle/>
-          <a:p>
-            <a:r>
-              <a:rPr lang="en-US" altLang="zh-TW" sz="1400" dirty="0"/>
-              <a:t>Report – Full</a:t>
-            </a:r>
-          </a:p>
-          <a:p>
-            <a:r>
-              <a:rPr lang="zh-TW" altLang="en-US" sz="1400" dirty="0"/>
-              <a:t>匯出</a:t>
-            </a:r>
-            <a:r>
-              <a:rPr lang="en-US" altLang="zh-TW" sz="1400" dirty="0" err="1"/>
-              <a:t>rpt</a:t>
-            </a:r>
-            <a:r>
-              <a:rPr lang="zh-TW" altLang="en-US" sz="1400" dirty="0"/>
-              <a:t>檔</a:t>
-            </a:r>
-          </a:p>
-        </p:txBody>
-      </p:sp>
-      <p:sp>
-        <p:nvSpPr>
-          <p:cNvPr id="14" name="矩形 13">
-            <a:extLst>
-              <a:ext uri="{FF2B5EF4-FFF2-40B4-BE49-F238E27FC236}">
-                <a16:creationId xmlns:a16="http://schemas.microsoft.com/office/drawing/2014/main" id="{476D0D8B-5885-E6BA-4938-257F15F87C5B}"/>
-              </a:ext>
-            </a:extLst>
-          </p:cNvPr>
-          <p:cNvSpPr/>
-          <p:nvPr/>
-        </p:nvSpPr>
-        <p:spPr>
-          <a:xfrm>
-            <a:off x="4701978" y="2189889"/>
-            <a:ext cx="252000" cy="252000"/>
-          </a:xfrm>
-          <a:prstGeom prst="rect">
-            <a:avLst/>
-          </a:prstGeom>
-          <a:noFill/>
-          <a:ln w="28575">
-            <a:solidFill>
-              <a:srgbClr val="FF0000"/>
-            </a:solidFill>
-          </a:ln>
-        </p:spPr>
-        <p:style>
-          <a:lnRef idx="2">
-            <a:schemeClr val="accent1">
-              <a:shade val="15000"/>
-            </a:schemeClr>
-          </a:lnRef>
-          <a:fillRef idx="1">
-            <a:schemeClr val="accent1"/>
-          </a:fillRef>
-          <a:effectRef idx="0">
-            <a:schemeClr val="accent1"/>
-          </a:effectRef>
-          <a:fontRef idx="minor">
-            <a:schemeClr val="lt1"/>
-          </a:fontRef>
-        </p:style>
-        <p:txBody>
-          <a:bodyPr rtlCol="0" anchor="ctr"/>
-          <a:lstStyle/>
-          <a:p>
-            <a:pPr algn="ctr"/>
-            <a:endParaRPr lang="zh-TW" altLang="en-US"/>
-          </a:p>
-        </p:txBody>
-      </p:sp>
-      <p:sp>
-        <p:nvSpPr>
-          <p:cNvPr id="15" name="橢圓 14">
-            <a:extLst>
-              <a:ext uri="{FF2B5EF4-FFF2-40B4-BE49-F238E27FC236}">
-                <a16:creationId xmlns:a16="http://schemas.microsoft.com/office/drawing/2014/main" id="{51DD68A4-0EF4-8AB8-E4F6-7B4C8FE4BC4E}"/>
-              </a:ext>
-            </a:extLst>
-          </p:cNvPr>
-          <p:cNvSpPr/>
-          <p:nvPr/>
-        </p:nvSpPr>
-        <p:spPr>
-          <a:xfrm>
-            <a:off x="4974298" y="1880183"/>
-            <a:ext cx="304800" cy="304800"/>
-          </a:xfrm>
-          <a:prstGeom prst="ellipse">
-            <a:avLst/>
-          </a:prstGeom>
-          <a:solidFill>
-            <a:schemeClr val="bg1"/>
-          </a:solidFill>
-          <a:ln>
-            <a:solidFill>
-              <a:schemeClr val="tx1"/>
-            </a:solidFill>
-          </a:ln>
-        </p:spPr>
-        <p:style>
-          <a:lnRef idx="2">
-            <a:schemeClr val="accent1">
-              <a:shade val="15000"/>
-            </a:schemeClr>
-          </a:lnRef>
-          <a:fillRef idx="1">
-            <a:schemeClr val="accent1"/>
-          </a:fillRef>
-          <a:effectRef idx="0">
-            <a:schemeClr val="accent1"/>
-          </a:effectRef>
-          <a:fontRef idx="minor">
-            <a:schemeClr val="lt1"/>
-          </a:fontRef>
-        </p:style>
-        <p:txBody>
-          <a:bodyPr rtlCol="0" anchor="ctr"/>
-          <a:lstStyle/>
-          <a:p>
-            <a:pPr algn="ctr"/>
-            <a:r>
-              <a:rPr lang="en-US" altLang="zh-TW" dirty="0">
-                <a:solidFill>
-                  <a:schemeClr val="tx1"/>
-                </a:solidFill>
-              </a:rPr>
-              <a:t>1</a:t>
-            </a:r>
-            <a:endParaRPr lang="zh-TW" altLang="en-US" dirty="0">
-              <a:solidFill>
-                <a:schemeClr val="tx1"/>
-              </a:solidFill>
-            </a:endParaRPr>
-          </a:p>
-        </p:txBody>
-      </p:sp>
-      <p:sp>
-        <p:nvSpPr>
-          <p:cNvPr id="16" name="矩形 15">
-            <a:extLst>
-              <a:ext uri="{FF2B5EF4-FFF2-40B4-BE49-F238E27FC236}">
-                <a16:creationId xmlns:a16="http://schemas.microsoft.com/office/drawing/2014/main" id="{EF4B042C-3729-53F6-B3C5-3AFCD2F60326}"/>
-              </a:ext>
-            </a:extLst>
-          </p:cNvPr>
-          <p:cNvSpPr/>
-          <p:nvPr/>
-        </p:nvSpPr>
-        <p:spPr>
-          <a:xfrm>
-            <a:off x="5729679" y="3448503"/>
-            <a:ext cx="651362" cy="252000"/>
-          </a:xfrm>
-          <a:prstGeom prst="rect">
-            <a:avLst/>
-          </a:prstGeom>
-          <a:noFill/>
-          <a:ln w="28575">
-            <a:solidFill>
-              <a:srgbClr val="FF0000"/>
-            </a:solidFill>
-          </a:ln>
-        </p:spPr>
-        <p:style>
-          <a:lnRef idx="2">
-            <a:schemeClr val="accent1">
-              <a:shade val="15000"/>
-            </a:schemeClr>
-          </a:lnRef>
-          <a:fillRef idx="1">
-            <a:schemeClr val="accent1"/>
-          </a:fillRef>
-          <a:effectRef idx="0">
-            <a:schemeClr val="accent1"/>
-          </a:effectRef>
-          <a:fontRef idx="minor">
-            <a:schemeClr val="lt1"/>
-          </a:fontRef>
-        </p:style>
-        <p:txBody>
-          <a:bodyPr rtlCol="0" anchor="ctr"/>
-          <a:lstStyle/>
-          <a:p>
-            <a:pPr algn="ctr"/>
-            <a:endParaRPr lang="zh-TW" altLang="en-US"/>
-          </a:p>
-        </p:txBody>
-      </p:sp>
-      <p:sp>
-        <p:nvSpPr>
-          <p:cNvPr id="17" name="橢圓 16">
-            <a:extLst>
-              <a:ext uri="{FF2B5EF4-FFF2-40B4-BE49-F238E27FC236}">
-                <a16:creationId xmlns:a16="http://schemas.microsoft.com/office/drawing/2014/main" id="{B27C4A7E-3AFC-E587-AA81-E9D6DF4970C4}"/>
-              </a:ext>
-            </a:extLst>
-          </p:cNvPr>
-          <p:cNvSpPr/>
-          <p:nvPr/>
-        </p:nvSpPr>
-        <p:spPr>
-          <a:xfrm>
-            <a:off x="6360721" y="3672286"/>
-            <a:ext cx="304800" cy="304800"/>
-          </a:xfrm>
-          <a:prstGeom prst="ellipse">
-            <a:avLst/>
-          </a:prstGeom>
-          <a:solidFill>
-            <a:schemeClr val="bg1"/>
-          </a:solidFill>
-          <a:ln>
-            <a:solidFill>
-              <a:schemeClr val="tx1"/>
-            </a:solidFill>
-          </a:ln>
-        </p:spPr>
-        <p:style>
-          <a:lnRef idx="2">
-            <a:schemeClr val="accent1">
-              <a:shade val="15000"/>
-            </a:schemeClr>
-          </a:lnRef>
-          <a:fillRef idx="1">
-            <a:schemeClr val="accent1"/>
-          </a:fillRef>
-          <a:effectRef idx="0">
-            <a:schemeClr val="accent1"/>
-          </a:effectRef>
-          <a:fontRef idx="minor">
-            <a:schemeClr val="lt1"/>
-          </a:fontRef>
-        </p:style>
-        <p:txBody>
-          <a:bodyPr rtlCol="0" anchor="ctr"/>
-          <a:lstStyle/>
-          <a:p>
-            <a:pPr algn="ctr"/>
-            <a:r>
-              <a:rPr lang="en-US" altLang="zh-TW" dirty="0">
-                <a:solidFill>
-                  <a:schemeClr val="tx1"/>
-                </a:solidFill>
-              </a:rPr>
-              <a:t>2</a:t>
-            </a:r>
-            <a:endParaRPr lang="zh-TW" altLang="en-US" dirty="0">
-              <a:solidFill>
-                <a:schemeClr val="tx1"/>
-              </a:solidFill>
-            </a:endParaRPr>
-          </a:p>
-        </p:txBody>
-      </p:sp>
-      <p:sp>
-        <p:nvSpPr>
-          <p:cNvPr id="3" name="投影片編號版面配置區 2">
-            <a:extLst>
-              <a:ext uri="{FF2B5EF4-FFF2-40B4-BE49-F238E27FC236}">
-                <a16:creationId xmlns:a16="http://schemas.microsoft.com/office/drawing/2014/main" id="{CB91772A-7CB7-1DDA-7DF4-F52C0488CB7C}"/>
-              </a:ext>
-            </a:extLst>
-          </p:cNvPr>
-          <p:cNvSpPr>
-            <a:spLocks noGrp="1"/>
-          </p:cNvSpPr>
-          <p:nvPr>
-            <p:ph type="sldNum" sz="quarter" idx="12"/>
-          </p:nvPr>
-        </p:nvSpPr>
-        <p:spPr/>
-        <p:txBody>
-          <a:bodyPr/>
-          <a:lstStyle/>
-          <a:p>
-            <a:fld id="{10FD45D0-0A3B-49B7-B6F5-CED80D8EC01B}" type="slidenum">
-              <a:rPr lang="zh-TW" altLang="en-US" smtClean="0"/>
-              <a:t>7</a:t>
-            </a:fld>
-            <a:endParaRPr lang="zh-TW" altLang="en-US"/>
-          </a:p>
-        </p:txBody>
-      </p:sp>
-    </p:spTree>
-    <p:extLst>
-      <p:ext uri="{BB962C8B-B14F-4D97-AF65-F5344CB8AC3E}">
-        <p14:creationId xmlns:p14="http://schemas.microsoft.com/office/powerpoint/2010/main" val="1662439514"/>
       </p:ext>
     </p:extLst>
   </p:cSld>
@@ -7366,6 +6938,576 @@
           <p:cNvPr id="2" name="標題 1">
             <a:extLst>
               <a:ext uri="{FF2B5EF4-FFF2-40B4-BE49-F238E27FC236}">
+                <a16:creationId xmlns:a16="http://schemas.microsoft.com/office/drawing/2014/main" id="{877C5FF0-E9A0-C3E6-CE4A-499CFE3D22BE}"/>
+              </a:ext>
+            </a:extLst>
+          </p:cNvPr>
+          <p:cNvSpPr>
+            <a:spLocks noGrp="1"/>
+          </p:cNvSpPr>
+          <p:nvPr>
+            <p:ph type="title"/>
+          </p:nvPr>
+        </p:nvSpPr>
+        <p:spPr/>
+        <p:txBody>
+          <a:bodyPr/>
+          <a:lstStyle/>
+          <a:p>
+            <a:r>
+              <a:rPr lang="zh-TW" altLang="en-US" dirty="0"/>
+              <a:t>匯出</a:t>
+            </a:r>
+            <a:r>
+              <a:rPr lang="en-US" altLang="zh-TW" dirty="0"/>
+              <a:t>.</a:t>
+            </a:r>
+            <a:r>
+              <a:rPr lang="en-US" altLang="zh-TW" dirty="0" err="1"/>
+              <a:t>inp</a:t>
+            </a:r>
+            <a:r>
+              <a:rPr lang="zh-TW" altLang="en-US" dirty="0"/>
+              <a:t>及</a:t>
+            </a:r>
+            <a:r>
+              <a:rPr lang="en-US" altLang="zh-TW" dirty="0"/>
+              <a:t>.</a:t>
+            </a:r>
+            <a:r>
+              <a:rPr lang="en-US" altLang="zh-TW" dirty="0" err="1"/>
+              <a:t>rpt</a:t>
+            </a:r>
+            <a:r>
+              <a:rPr lang="zh-TW" altLang="en-US" dirty="0"/>
+              <a:t>檔</a:t>
+            </a:r>
+          </a:p>
+        </p:txBody>
+      </p:sp>
+      <p:pic>
+        <p:nvPicPr>
+          <p:cNvPr id="7" name="圖片 6">
+            <a:extLst>
+              <a:ext uri="{FF2B5EF4-FFF2-40B4-BE49-F238E27FC236}">
+                <a16:creationId xmlns:a16="http://schemas.microsoft.com/office/drawing/2014/main" id="{AB95FB60-1687-F0FF-2617-8A2FE49CD9F1}"/>
+              </a:ext>
+            </a:extLst>
+          </p:cNvPr>
+          <p:cNvPicPr>
+            <a:picLocks noChangeAspect="1"/>
+          </p:cNvPicPr>
+          <p:nvPr/>
+        </p:nvPicPr>
+        <p:blipFill>
+          <a:blip r:embed="rId2"/>
+          <a:stretch>
+            <a:fillRect/>
+          </a:stretch>
+        </p:blipFill>
+        <p:spPr>
+          <a:xfrm>
+            <a:off x="325058" y="1880183"/>
+            <a:ext cx="3602738" cy="3600000"/>
+          </a:xfrm>
+          <a:prstGeom prst="rect">
+            <a:avLst/>
+          </a:prstGeom>
+        </p:spPr>
+      </p:pic>
+      <p:pic>
+        <p:nvPicPr>
+          <p:cNvPr id="8" name="圖片 7">
+            <a:extLst>
+              <a:ext uri="{FF2B5EF4-FFF2-40B4-BE49-F238E27FC236}">
+                <a16:creationId xmlns:a16="http://schemas.microsoft.com/office/drawing/2014/main" id="{F1362564-1DE4-FDDE-F39A-FC67DD112A32}"/>
+              </a:ext>
+            </a:extLst>
+          </p:cNvPr>
+          <p:cNvPicPr>
+            <a:picLocks noChangeAspect="1"/>
+          </p:cNvPicPr>
+          <p:nvPr/>
+        </p:nvPicPr>
+        <p:blipFill>
+          <a:blip r:embed="rId3"/>
+          <a:stretch>
+            <a:fillRect/>
+          </a:stretch>
+        </p:blipFill>
+        <p:spPr>
+          <a:xfrm>
+            <a:off x="4294631" y="1880183"/>
+            <a:ext cx="3602738" cy="3600000"/>
+          </a:xfrm>
+          <a:prstGeom prst="rect">
+            <a:avLst/>
+          </a:prstGeom>
+        </p:spPr>
+      </p:pic>
+      <p:pic>
+        <p:nvPicPr>
+          <p:cNvPr id="9" name="圖片 8">
+            <a:extLst>
+              <a:ext uri="{FF2B5EF4-FFF2-40B4-BE49-F238E27FC236}">
+                <a16:creationId xmlns:a16="http://schemas.microsoft.com/office/drawing/2014/main" id="{8508B7CD-5913-937C-F3A1-B2606F4AFE92}"/>
+              </a:ext>
+            </a:extLst>
+          </p:cNvPr>
+          <p:cNvPicPr>
+            <a:picLocks noChangeAspect="1"/>
+          </p:cNvPicPr>
+          <p:nvPr/>
+        </p:nvPicPr>
+        <p:blipFill>
+          <a:blip r:embed="rId4"/>
+          <a:stretch>
+            <a:fillRect/>
+          </a:stretch>
+        </p:blipFill>
+        <p:spPr>
+          <a:xfrm>
+            <a:off x="8264204" y="1880183"/>
+            <a:ext cx="3602738" cy="3600000"/>
+          </a:xfrm>
+          <a:prstGeom prst="rect">
+            <a:avLst/>
+          </a:prstGeom>
+        </p:spPr>
+      </p:pic>
+      <p:sp>
+        <p:nvSpPr>
+          <p:cNvPr id="11" name="文字方塊 10">
+            <a:extLst>
+              <a:ext uri="{FF2B5EF4-FFF2-40B4-BE49-F238E27FC236}">
+                <a16:creationId xmlns:a16="http://schemas.microsoft.com/office/drawing/2014/main" id="{779B9444-E1DD-C7D0-3BEE-093AC44E7C82}"/>
+              </a:ext>
+            </a:extLst>
+          </p:cNvPr>
+          <p:cNvSpPr txBox="1"/>
+          <p:nvPr/>
+        </p:nvSpPr>
+        <p:spPr>
+          <a:xfrm>
+            <a:off x="1059627" y="5503180"/>
+            <a:ext cx="2133600" cy="523220"/>
+          </a:xfrm>
+          <a:prstGeom prst="rect">
+            <a:avLst/>
+          </a:prstGeom>
+          <a:noFill/>
+        </p:spPr>
+        <p:txBody>
+          <a:bodyPr wrap="square" rtlCol="0">
+            <a:spAutoFit/>
+          </a:bodyPr>
+          <a:lstStyle/>
+          <a:p>
+            <a:r>
+              <a:rPr lang="en-US" altLang="zh-TW" sz="1400" dirty="0"/>
+              <a:t>File – Export –Network</a:t>
+            </a:r>
+          </a:p>
+          <a:p>
+            <a:r>
+              <a:rPr lang="zh-TW" altLang="en-US" sz="1400" dirty="0"/>
+              <a:t>匯出</a:t>
+            </a:r>
+            <a:r>
+              <a:rPr lang="en-US" altLang="zh-TW" sz="1400" dirty="0" err="1"/>
+              <a:t>inp</a:t>
+            </a:r>
+            <a:r>
+              <a:rPr lang="zh-TW" altLang="en-US" sz="1400" dirty="0"/>
+              <a:t>檔</a:t>
+            </a:r>
+          </a:p>
+        </p:txBody>
+      </p:sp>
+      <p:sp>
+        <p:nvSpPr>
+          <p:cNvPr id="12" name="文字方塊 11">
+            <a:extLst>
+              <a:ext uri="{FF2B5EF4-FFF2-40B4-BE49-F238E27FC236}">
+                <a16:creationId xmlns:a16="http://schemas.microsoft.com/office/drawing/2014/main" id="{E06CE6CB-66D1-9F94-FBD6-91F2ED0B6868}"/>
+              </a:ext>
+            </a:extLst>
+          </p:cNvPr>
+          <p:cNvSpPr txBox="1"/>
+          <p:nvPr/>
+        </p:nvSpPr>
+        <p:spPr>
+          <a:xfrm>
+            <a:off x="5029200" y="5503180"/>
+            <a:ext cx="2133600" cy="307777"/>
+          </a:xfrm>
+          <a:prstGeom prst="rect">
+            <a:avLst/>
+          </a:prstGeom>
+          <a:noFill/>
+        </p:spPr>
+        <p:txBody>
+          <a:bodyPr wrap="square" rtlCol="0">
+            <a:spAutoFit/>
+          </a:bodyPr>
+          <a:lstStyle/>
+          <a:p>
+            <a:r>
+              <a:rPr lang="zh-TW" altLang="en-US" sz="1400" dirty="0"/>
+              <a:t>執行分析功能</a:t>
+            </a:r>
+          </a:p>
+        </p:txBody>
+      </p:sp>
+      <p:sp>
+        <p:nvSpPr>
+          <p:cNvPr id="13" name="文字方塊 12">
+            <a:extLst>
+              <a:ext uri="{FF2B5EF4-FFF2-40B4-BE49-F238E27FC236}">
+                <a16:creationId xmlns:a16="http://schemas.microsoft.com/office/drawing/2014/main" id="{44225B50-9804-3E50-A150-2857BEB0BB61}"/>
+              </a:ext>
+            </a:extLst>
+          </p:cNvPr>
+          <p:cNvSpPr txBox="1"/>
+          <p:nvPr/>
+        </p:nvSpPr>
+        <p:spPr>
+          <a:xfrm>
+            <a:off x="8998773" y="5503180"/>
+            <a:ext cx="2133600" cy="523220"/>
+          </a:xfrm>
+          <a:prstGeom prst="rect">
+            <a:avLst/>
+          </a:prstGeom>
+          <a:noFill/>
+        </p:spPr>
+        <p:txBody>
+          <a:bodyPr wrap="square" rtlCol="0">
+            <a:spAutoFit/>
+          </a:bodyPr>
+          <a:lstStyle/>
+          <a:p>
+            <a:r>
+              <a:rPr lang="en-US" altLang="zh-TW" sz="1400" dirty="0"/>
+              <a:t>Report – Full</a:t>
+            </a:r>
+          </a:p>
+          <a:p>
+            <a:r>
+              <a:rPr lang="zh-TW" altLang="en-US" sz="1400" dirty="0"/>
+              <a:t>匯出</a:t>
+            </a:r>
+            <a:r>
+              <a:rPr lang="en-US" altLang="zh-TW" sz="1400" dirty="0" err="1"/>
+              <a:t>rpt</a:t>
+            </a:r>
+            <a:r>
+              <a:rPr lang="zh-TW" altLang="en-US" sz="1400" dirty="0"/>
+              <a:t>檔</a:t>
+            </a:r>
+          </a:p>
+        </p:txBody>
+      </p:sp>
+      <p:sp>
+        <p:nvSpPr>
+          <p:cNvPr id="14" name="矩形 13">
+            <a:extLst>
+              <a:ext uri="{FF2B5EF4-FFF2-40B4-BE49-F238E27FC236}">
+                <a16:creationId xmlns:a16="http://schemas.microsoft.com/office/drawing/2014/main" id="{476D0D8B-5885-E6BA-4938-257F15F87C5B}"/>
+              </a:ext>
+            </a:extLst>
+          </p:cNvPr>
+          <p:cNvSpPr/>
+          <p:nvPr/>
+        </p:nvSpPr>
+        <p:spPr>
+          <a:xfrm>
+            <a:off x="4701978" y="2189889"/>
+            <a:ext cx="252000" cy="252000"/>
+          </a:xfrm>
+          <a:prstGeom prst="rect">
+            <a:avLst/>
+          </a:prstGeom>
+          <a:noFill/>
+          <a:ln w="28575">
+            <a:solidFill>
+              <a:srgbClr val="FF0000"/>
+            </a:solidFill>
+          </a:ln>
+        </p:spPr>
+        <p:style>
+          <a:lnRef idx="2">
+            <a:schemeClr val="accent1">
+              <a:shade val="15000"/>
+            </a:schemeClr>
+          </a:lnRef>
+          <a:fillRef idx="1">
+            <a:schemeClr val="accent1"/>
+          </a:fillRef>
+          <a:effectRef idx="0">
+            <a:schemeClr val="accent1"/>
+          </a:effectRef>
+          <a:fontRef idx="minor">
+            <a:schemeClr val="lt1"/>
+          </a:fontRef>
+        </p:style>
+        <p:txBody>
+          <a:bodyPr rtlCol="0" anchor="ctr"/>
+          <a:lstStyle/>
+          <a:p>
+            <a:pPr algn="ctr"/>
+            <a:endParaRPr lang="zh-TW" altLang="en-US"/>
+          </a:p>
+        </p:txBody>
+      </p:sp>
+      <p:sp>
+        <p:nvSpPr>
+          <p:cNvPr id="15" name="橢圓 14">
+            <a:extLst>
+              <a:ext uri="{FF2B5EF4-FFF2-40B4-BE49-F238E27FC236}">
+                <a16:creationId xmlns:a16="http://schemas.microsoft.com/office/drawing/2014/main" id="{51DD68A4-0EF4-8AB8-E4F6-7B4C8FE4BC4E}"/>
+              </a:ext>
+            </a:extLst>
+          </p:cNvPr>
+          <p:cNvSpPr/>
+          <p:nvPr/>
+        </p:nvSpPr>
+        <p:spPr>
+          <a:xfrm>
+            <a:off x="4974298" y="1880183"/>
+            <a:ext cx="304800" cy="304800"/>
+          </a:xfrm>
+          <a:prstGeom prst="ellipse">
+            <a:avLst/>
+          </a:prstGeom>
+          <a:solidFill>
+            <a:schemeClr val="bg1"/>
+          </a:solidFill>
+          <a:ln>
+            <a:solidFill>
+              <a:schemeClr val="tx1"/>
+            </a:solidFill>
+          </a:ln>
+        </p:spPr>
+        <p:style>
+          <a:lnRef idx="2">
+            <a:schemeClr val="accent1">
+              <a:shade val="15000"/>
+            </a:schemeClr>
+          </a:lnRef>
+          <a:fillRef idx="1">
+            <a:schemeClr val="accent1"/>
+          </a:fillRef>
+          <a:effectRef idx="0">
+            <a:schemeClr val="accent1"/>
+          </a:effectRef>
+          <a:fontRef idx="minor">
+            <a:schemeClr val="lt1"/>
+          </a:fontRef>
+        </p:style>
+        <p:txBody>
+          <a:bodyPr rtlCol="0" anchor="ctr"/>
+          <a:lstStyle/>
+          <a:p>
+            <a:pPr algn="ctr"/>
+            <a:r>
+              <a:rPr lang="en-US" altLang="zh-TW" dirty="0">
+                <a:solidFill>
+                  <a:schemeClr val="tx1"/>
+                </a:solidFill>
+              </a:rPr>
+              <a:t>1</a:t>
+            </a:r>
+            <a:endParaRPr lang="zh-TW" altLang="en-US" dirty="0">
+              <a:solidFill>
+                <a:schemeClr val="tx1"/>
+              </a:solidFill>
+            </a:endParaRPr>
+          </a:p>
+        </p:txBody>
+      </p:sp>
+      <p:sp>
+        <p:nvSpPr>
+          <p:cNvPr id="16" name="矩形 15">
+            <a:extLst>
+              <a:ext uri="{FF2B5EF4-FFF2-40B4-BE49-F238E27FC236}">
+                <a16:creationId xmlns:a16="http://schemas.microsoft.com/office/drawing/2014/main" id="{EF4B042C-3729-53F6-B3C5-3AFCD2F60326}"/>
+              </a:ext>
+            </a:extLst>
+          </p:cNvPr>
+          <p:cNvSpPr/>
+          <p:nvPr/>
+        </p:nvSpPr>
+        <p:spPr>
+          <a:xfrm>
+            <a:off x="5729679" y="3448503"/>
+            <a:ext cx="651362" cy="252000"/>
+          </a:xfrm>
+          <a:prstGeom prst="rect">
+            <a:avLst/>
+          </a:prstGeom>
+          <a:noFill/>
+          <a:ln w="28575">
+            <a:solidFill>
+              <a:srgbClr val="FF0000"/>
+            </a:solidFill>
+          </a:ln>
+        </p:spPr>
+        <p:style>
+          <a:lnRef idx="2">
+            <a:schemeClr val="accent1">
+              <a:shade val="15000"/>
+            </a:schemeClr>
+          </a:lnRef>
+          <a:fillRef idx="1">
+            <a:schemeClr val="accent1"/>
+          </a:fillRef>
+          <a:effectRef idx="0">
+            <a:schemeClr val="accent1"/>
+          </a:effectRef>
+          <a:fontRef idx="minor">
+            <a:schemeClr val="lt1"/>
+          </a:fontRef>
+        </p:style>
+        <p:txBody>
+          <a:bodyPr rtlCol="0" anchor="ctr"/>
+          <a:lstStyle/>
+          <a:p>
+            <a:pPr algn="ctr"/>
+            <a:endParaRPr lang="zh-TW" altLang="en-US"/>
+          </a:p>
+        </p:txBody>
+      </p:sp>
+      <p:sp>
+        <p:nvSpPr>
+          <p:cNvPr id="17" name="橢圓 16">
+            <a:extLst>
+              <a:ext uri="{FF2B5EF4-FFF2-40B4-BE49-F238E27FC236}">
+                <a16:creationId xmlns:a16="http://schemas.microsoft.com/office/drawing/2014/main" id="{B27C4A7E-3AFC-E587-AA81-E9D6DF4970C4}"/>
+              </a:ext>
+            </a:extLst>
+          </p:cNvPr>
+          <p:cNvSpPr/>
+          <p:nvPr/>
+        </p:nvSpPr>
+        <p:spPr>
+          <a:xfrm>
+            <a:off x="6360721" y="3672286"/>
+            <a:ext cx="304800" cy="304800"/>
+          </a:xfrm>
+          <a:prstGeom prst="ellipse">
+            <a:avLst/>
+          </a:prstGeom>
+          <a:solidFill>
+            <a:schemeClr val="bg1"/>
+          </a:solidFill>
+          <a:ln>
+            <a:solidFill>
+              <a:schemeClr val="tx1"/>
+            </a:solidFill>
+          </a:ln>
+        </p:spPr>
+        <p:style>
+          <a:lnRef idx="2">
+            <a:schemeClr val="accent1">
+              <a:shade val="15000"/>
+            </a:schemeClr>
+          </a:lnRef>
+          <a:fillRef idx="1">
+            <a:schemeClr val="accent1"/>
+          </a:fillRef>
+          <a:effectRef idx="0">
+            <a:schemeClr val="accent1"/>
+          </a:effectRef>
+          <a:fontRef idx="minor">
+            <a:schemeClr val="lt1"/>
+          </a:fontRef>
+        </p:style>
+        <p:txBody>
+          <a:bodyPr rtlCol="0" anchor="ctr"/>
+          <a:lstStyle/>
+          <a:p>
+            <a:pPr algn="ctr"/>
+            <a:r>
+              <a:rPr lang="en-US" altLang="zh-TW" dirty="0">
+                <a:solidFill>
+                  <a:schemeClr val="tx1"/>
+                </a:solidFill>
+              </a:rPr>
+              <a:t>2</a:t>
+            </a:r>
+            <a:endParaRPr lang="zh-TW" altLang="en-US" dirty="0">
+              <a:solidFill>
+                <a:schemeClr val="tx1"/>
+              </a:solidFill>
+            </a:endParaRPr>
+          </a:p>
+        </p:txBody>
+      </p:sp>
+      <p:sp>
+        <p:nvSpPr>
+          <p:cNvPr id="3" name="投影片編號版面配置區 2">
+            <a:extLst>
+              <a:ext uri="{FF2B5EF4-FFF2-40B4-BE49-F238E27FC236}">
+                <a16:creationId xmlns:a16="http://schemas.microsoft.com/office/drawing/2014/main" id="{CB91772A-7CB7-1DDA-7DF4-F52C0488CB7C}"/>
+              </a:ext>
+            </a:extLst>
+          </p:cNvPr>
+          <p:cNvSpPr>
+            <a:spLocks noGrp="1"/>
+          </p:cNvSpPr>
+          <p:nvPr>
+            <p:ph type="sldNum" sz="quarter" idx="12"/>
+          </p:nvPr>
+        </p:nvSpPr>
+        <p:spPr/>
+        <p:txBody>
+          <a:bodyPr/>
+          <a:lstStyle/>
+          <a:p>
+            <a:fld id="{10FD45D0-0A3B-49B7-B6F5-CED80D8EC01B}" type="slidenum">
+              <a:rPr lang="zh-TW" altLang="en-US" smtClean="0"/>
+              <a:t>8</a:t>
+            </a:fld>
+            <a:endParaRPr lang="zh-TW" altLang="en-US"/>
+          </a:p>
+        </p:txBody>
+      </p:sp>
+    </p:spTree>
+    <p:extLst>
+      <p:ext uri="{BB962C8B-B14F-4D97-AF65-F5344CB8AC3E}">
+        <p14:creationId xmlns:p14="http://schemas.microsoft.com/office/powerpoint/2010/main" val="1662439514"/>
+      </p:ext>
+    </p:extLst>
+  </p:cSld>
+  <p:clrMapOvr>
+    <a:masterClrMapping/>
+  </p:clrMapOvr>
+</p:sld>
+</file>
+
+<file path=ppt/slides/slide9.xml><?xml version="1.0" encoding="utf-8"?>
+<p:sld xmlns:a="http://schemas.openxmlformats.org/drawingml/2006/main" xmlns:r="http://schemas.openxmlformats.org/officeDocument/2006/relationships" xmlns:p="http://schemas.openxmlformats.org/presentationml/2006/main">
+  <p:cSld>
+    <p:spTree>
+      <p:nvGrpSpPr>
+        <p:cNvPr id="1" name=""/>
+        <p:cNvGrpSpPr/>
+        <p:nvPr/>
+      </p:nvGrpSpPr>
+      <p:grpSpPr>
+        <a:xfrm>
+          <a:off x="0" y="0"/>
+          <a:ext cx="0" cy="0"/>
+          <a:chOff x="0" y="0"/>
+          <a:chExt cx="0" cy="0"/>
+        </a:xfrm>
+      </p:grpSpPr>
+      <p:sp>
+        <p:nvSpPr>
+          <p:cNvPr id="2" name="標題 1">
+            <a:extLst>
+              <a:ext uri="{FF2B5EF4-FFF2-40B4-BE49-F238E27FC236}">
                 <a16:creationId xmlns:a16="http://schemas.microsoft.com/office/drawing/2014/main" id="{BBCE99F6-0A44-6D21-4DDE-0155BB17AE1D}"/>
               </a:ext>
             </a:extLst>
@@ -7441,7 +7583,7 @@
           <a:p>
             <a:fld id="{10FD45D0-0A3B-49B7-B6F5-CED80D8EC01B}" type="slidenum">
               <a:rPr lang="zh-TW" altLang="en-US" smtClean="0"/>
-              <a:t>8</a:t>
+              <a:t>9</a:t>
             </a:fld>
             <a:endParaRPr lang="zh-TW" altLang="en-US"/>
           </a:p>
